--- a/ProcessingBenthicMacroinvertebrateDataInR.pptx
+++ b/ProcessingBenthicMacroinvertebrateDataInR.pptx
@@ -31,8 +31,8 @@
     <p:sldId id="303" r:id="rId22"/>
     <p:sldId id="304" r:id="rId23"/>
     <p:sldId id="301" r:id="rId24"/>
-    <p:sldId id="305" r:id="rId25"/>
-    <p:sldId id="302" r:id="rId26"/>
+    <p:sldId id="302" r:id="rId25"/>
+    <p:sldId id="305" r:id="rId26"/>
     <p:sldId id="297" r:id="rId27"/>
   </p:sldIdLst>
   <p:sldSz cx="9144000" cy="6858000" type="screen4x3"/>
@@ -226,7 +226,7 @@
           <a:p>
             <a:fld id="{7208139C-E207-4D42-9941-54530AED396D}" type="datetimeFigureOut">
               <a:rPr lang="en-US" smtClean="0"/>
-              <a:t>5/14/2019</a:t>
+              <a:t>5/16/2019</a:t>
             </a:fld>
             <a:endParaRPr lang="en-US"/>
           </a:p>
@@ -647,62 +647,6 @@
           <a:bodyPr/>
           <a:lstStyle/>
           <a:p>
-            <a:r>
-              <a:rPr lang="en-US" dirty="0" smtClean="0"/>
-              <a:t>We published </a:t>
-            </a:r>
-            <a:r>
-              <a:rPr lang="en-US" baseline="0" dirty="0" smtClean="0"/>
-              <a:t>analyses for 13 parameters</a:t>
-            </a:r>
-          </a:p>
-          <a:p>
-            <a:endParaRPr lang="en-US" baseline="0" dirty="0" smtClean="0"/>
-          </a:p>
-          <a:p>
-            <a:r>
-              <a:rPr lang="en-US" baseline="0" dirty="0" smtClean="0"/>
-              <a:t>*NOTE*  these are not Water Quality Standards. Thresholds are based on biological response apparent in our dataset and can vary considerably from the established WQS</a:t>
-            </a:r>
-          </a:p>
-          <a:p>
-            <a:endParaRPr lang="en-US" baseline="0" dirty="0" smtClean="0"/>
-          </a:p>
-          <a:p>
-            <a:r>
-              <a:rPr lang="en-US" sz="1200" b="0" i="0" u="none" strike="noStrike" kern="1200" baseline="0" dirty="0" smtClean="0">
-                <a:solidFill>
-                  <a:schemeClr val="tx1"/>
-                </a:solidFill>
-                <a:latin typeface="+mn-lt"/>
-                <a:ea typeface="+mn-ea"/>
-                <a:cs typeface="+mn-cs"/>
-              </a:rPr>
-              <a:t>Virginia freshwater DO standard is 4.0 mg/L but we establish 7mg/L as the cutoff where benthic macroinvertebrates most likely to be highly stressed</a:t>
-            </a:r>
-          </a:p>
-          <a:p>
-            <a:endParaRPr lang="en-US" sz="1200" b="0" i="0" u="none" strike="noStrike" kern="1200" baseline="0" dirty="0" smtClean="0">
-              <a:solidFill>
-                <a:schemeClr val="tx1"/>
-              </a:solidFill>
-              <a:latin typeface="+mn-lt"/>
-              <a:ea typeface="+mn-ea"/>
-              <a:cs typeface="+mn-cs"/>
-            </a:endParaRPr>
-          </a:p>
-          <a:p>
-            <a:r>
-              <a:rPr lang="en-US" sz="1200" b="0" i="0" u="none" strike="noStrike" kern="1200" baseline="0" dirty="0" smtClean="0">
-                <a:solidFill>
-                  <a:schemeClr val="tx1"/>
-                </a:solidFill>
-                <a:latin typeface="+mn-lt"/>
-                <a:ea typeface="+mn-ea"/>
-                <a:cs typeface="+mn-cs"/>
-              </a:rPr>
-              <a:t>Why took a lot of work to get through management and have to continually reiterate that these are not WQS</a:t>
-            </a:r>
             <a:endParaRPr lang="en-US" dirty="0"/>
           </a:p>
         </p:txBody>
@@ -787,50 +731,7 @@
           <a:bodyPr/>
           <a:lstStyle/>
           <a:p>
-            <a:r>
-              <a:rPr lang="en-US" dirty="0" smtClean="0"/>
-              <a:t>How</a:t>
-            </a:r>
-            <a:r>
-              <a:rPr lang="en-US" baseline="0" dirty="0" smtClean="0"/>
-              <a:t> are these thresholds actually useful? </a:t>
-            </a:r>
-          </a:p>
-          <a:p>
-            <a:r>
-              <a:rPr lang="en-US" baseline="0" dirty="0" smtClean="0"/>
-              <a:t>Imagine TMDL coordinator trying to sift through a pile of data you’ve collected for benthic TMDL and don’t know bugs</a:t>
-            </a:r>
-          </a:p>
-          <a:p>
-            <a:r>
-              <a:rPr lang="en-US" baseline="0" dirty="0" smtClean="0"/>
-              <a:t>Well above WQS and see some seasonal fluctuations in DO with lowest DO during summer months</a:t>
-            </a:r>
-          </a:p>
-          <a:p>
-            <a:r>
-              <a:rPr lang="en-US" baseline="0" dirty="0" smtClean="0"/>
-              <a:t>Doesn’t look alarming until consider probably collected middle of the day, some of highest DO’s this section of stream experiences, okay maybe something going on here</a:t>
-            </a:r>
-          </a:p>
-          <a:p>
-            <a:endParaRPr lang="en-US" baseline="0" dirty="0" smtClean="0"/>
-          </a:p>
-          <a:p>
-            <a:r>
-              <a:rPr lang="en-US" baseline="0" dirty="0" smtClean="0"/>
-              <a:t>Instead, when we apply the parameter thresholds to each dataset can bring it to life and help see the data from the bug perspective, and impart understanding much faster</a:t>
-            </a:r>
-          </a:p>
-          <a:p>
-            <a:endParaRPr lang="en-US" baseline="0" dirty="0" smtClean="0"/>
-          </a:p>
-          <a:p>
-            <a:r>
-              <a:rPr lang="en-US" baseline="0" dirty="0" smtClean="0"/>
-              <a:t>Translates to faster sifting through parameters and faster identification of potential issues vs non issues</a:t>
-            </a:r>
+            <a:endParaRPr lang="en-US" dirty="0"/>
           </a:p>
         </p:txBody>
       </p:sp>
@@ -914,39 +815,7 @@
           <a:bodyPr/>
           <a:lstStyle/>
           <a:p>
-            <a:r>
-              <a:rPr lang="en-US" dirty="0" smtClean="0"/>
-              <a:t>To distribute this</a:t>
-            </a:r>
-            <a:r>
-              <a:rPr lang="en-US" baseline="0" dirty="0" smtClean="0"/>
-              <a:t> wealth of information quickly we built Shiny application (R based interactive web application) that allows app users to access the same data analysis and visualization capabilities that have previously only been available people well versed in R programming</a:t>
-            </a:r>
-          </a:p>
-          <a:p>
-            <a:endParaRPr lang="en-US" baseline="0" dirty="0" smtClean="0"/>
-          </a:p>
-          <a:p>
-            <a:r>
-              <a:rPr lang="en-US" baseline="0" dirty="0" smtClean="0"/>
-              <a:t>App allows users to upload their data to quickly cross reference it with parameter thresholds and drill into where their data fall statewide, and by that specific basin, ecoregion, and stream order</a:t>
-            </a:r>
-          </a:p>
-          <a:p>
-            <a:endParaRPr lang="en-US" baseline="0" dirty="0" smtClean="0"/>
-          </a:p>
-          <a:p>
-            <a:r>
-              <a:rPr lang="en-US" baseline="0" dirty="0" smtClean="0"/>
-              <a:t>Our second iteration of app also generates about half a draft report pre written for users to further streamline and expedite the analysis and reporting process</a:t>
-            </a:r>
-            <a:endParaRPr lang="en-US" dirty="0" smtClean="0"/>
-          </a:p>
-          <a:p>
-            <a:endParaRPr lang="en-US" dirty="0" smtClean="0"/>
-          </a:p>
-          <a:p>
-            <a:endParaRPr lang="en-US" dirty="0" smtClean="0"/>
+            <a:endParaRPr lang="en-US" dirty="0"/>
           </a:p>
         </p:txBody>
       </p:sp>
@@ -1030,66 +899,7 @@
           <a:bodyPr/>
           <a:lstStyle/>
           <a:p>
-            <a:r>
-              <a:rPr lang="en-US" dirty="0" smtClean="0"/>
-              <a:t>Benefits:</a:t>
-            </a:r>
-          </a:p>
-          <a:p>
-            <a:endParaRPr lang="en-US" dirty="0" smtClean="0"/>
-          </a:p>
-          <a:p>
-            <a:r>
-              <a:rPr lang="en-US" dirty="0" smtClean="0"/>
-              <a:t>Standardize thresholds statewide</a:t>
-            </a:r>
-          </a:p>
-          <a:p>
-            <a:endParaRPr lang="en-US" dirty="0" smtClean="0"/>
-          </a:p>
-          <a:p>
-            <a:pPr marL="0" marR="0" indent="0" algn="l" defTabSz="914400" rtl="0" eaLnBrk="1" fontAlgn="auto" latinLnBrk="0" hangingPunct="1">
-              <a:lnSpc>
-                <a:spcPct val="100000"/>
-              </a:lnSpc>
-              <a:spcBef>
-                <a:spcPts val="0"/>
-              </a:spcBef>
-              <a:spcAft>
-                <a:spcPts val="0"/>
-              </a:spcAft>
-              <a:buClrTx/>
-              <a:buSzTx/>
-              <a:buFontTx/>
-              <a:buNone/>
-              <a:tabLst/>
-              <a:defRPr/>
-            </a:pPr>
-            <a:r>
-              <a:rPr lang="en-US" dirty="0" smtClean="0"/>
-              <a:t>Using</a:t>
-            </a:r>
-            <a:r>
-              <a:rPr lang="en-US" baseline="0" dirty="0" smtClean="0"/>
-              <a:t> R so </a:t>
-            </a:r>
-            <a:r>
-              <a:rPr lang="en-US" dirty="0" smtClean="0"/>
-              <a:t>easy to update tool as</a:t>
-            </a:r>
-            <a:r>
-              <a:rPr lang="en-US" baseline="0" dirty="0" smtClean="0"/>
-              <a:t> our </a:t>
-            </a:r>
-            <a:r>
-              <a:rPr lang="en-US" baseline="0" dirty="0" err="1" smtClean="0"/>
-              <a:t>prob</a:t>
-            </a:r>
-            <a:r>
-              <a:rPr lang="en-US" baseline="0" dirty="0" smtClean="0"/>
-              <a:t> dataset grows – next slide</a:t>
-            </a:r>
-            <a:endParaRPr lang="en-US" dirty="0" smtClean="0"/>
+            <a:endParaRPr lang="en-US" dirty="0"/>
           </a:p>
         </p:txBody>
       </p:sp>
@@ -1173,41 +983,6 @@
           <a:bodyPr/>
           <a:lstStyle/>
           <a:p>
-            <a:r>
-              <a:rPr lang="en-US" dirty="0" smtClean="0"/>
-              <a:t>Report published</a:t>
-            </a:r>
-            <a:r>
-              <a:rPr lang="en-US" baseline="0" dirty="0" smtClean="0"/>
-              <a:t> on 474 data points</a:t>
-            </a:r>
-          </a:p>
-          <a:p>
-            <a:endParaRPr lang="en-US" baseline="0" dirty="0" smtClean="0"/>
-          </a:p>
-          <a:p>
-            <a:r>
-              <a:rPr lang="en-US" baseline="0" dirty="0" smtClean="0"/>
-              <a:t>*click*</a:t>
-            </a:r>
-          </a:p>
-          <a:p>
-            <a:endParaRPr lang="en-US" baseline="0" dirty="0" smtClean="0"/>
-          </a:p>
-          <a:p>
-            <a:r>
-              <a:rPr lang="en-US" baseline="0" dirty="0" smtClean="0"/>
-              <a:t>Currently at 735 and counting</a:t>
-            </a:r>
-          </a:p>
-          <a:p>
-            <a:endParaRPr lang="en-US" baseline="0" dirty="0" smtClean="0"/>
-          </a:p>
-          <a:p>
-            <a:r>
-              <a:rPr lang="en-US" baseline="0" dirty="0" smtClean="0"/>
-              <a:t>About every two years we push a few hundred more sites into the app to further tighten our confidence intervals on analyses</a:t>
-            </a:r>
             <a:endParaRPr lang="en-US" dirty="0"/>
           </a:p>
         </p:txBody>
@@ -1292,105 +1067,6 @@
           <a:bodyPr/>
           <a:lstStyle/>
           <a:p>
-            <a:r>
-              <a:rPr lang="en-US" dirty="0" smtClean="0"/>
-              <a:t>Standardize reports:</a:t>
-            </a:r>
-          </a:p>
-          <a:p>
-            <a:r>
-              <a:rPr lang="en-US" dirty="0" smtClean="0"/>
-              <a:t>By</a:t>
-            </a:r>
-            <a:r>
-              <a:rPr lang="en-US" baseline="0" dirty="0" smtClean="0"/>
-              <a:t> s</a:t>
-            </a:r>
-            <a:r>
-              <a:rPr lang="en-US" dirty="0" smtClean="0"/>
-              <a:t>tandardizing reports with </a:t>
-            </a:r>
-            <a:r>
-              <a:rPr lang="en-US" dirty="0" err="1" smtClean="0"/>
-              <a:t>Rmarkdown</a:t>
-            </a:r>
-            <a:r>
-              <a:rPr lang="en-US" dirty="0" smtClean="0"/>
-              <a:t>,</a:t>
-            </a:r>
-            <a:r>
-              <a:rPr lang="en-US" baseline="0" dirty="0" smtClean="0"/>
-              <a:t> all graphics, style, and formatting of reports similar</a:t>
-            </a:r>
-          </a:p>
-          <a:p>
-            <a:endParaRPr lang="en-US" baseline="0" dirty="0" smtClean="0"/>
-          </a:p>
-          <a:p>
-            <a:r>
-              <a:rPr lang="en-US" baseline="0" dirty="0" smtClean="0"/>
-              <a:t>Faster for TMDL coordinators to get the data analyzed and get the report out the door </a:t>
-            </a:r>
-          </a:p>
-          <a:p>
-            <a:r>
-              <a:rPr lang="en-US" baseline="0" dirty="0" smtClean="0"/>
-              <a:t>Allows reviewers to have better understanding of what to expect in reports</a:t>
-            </a:r>
-          </a:p>
-          <a:p>
-            <a:endParaRPr lang="en-US" baseline="0" dirty="0" smtClean="0"/>
-          </a:p>
-          <a:p>
-            <a:r>
-              <a:rPr lang="en-US" baseline="0" dirty="0" smtClean="0"/>
-              <a:t>Cost Savings:</a:t>
-            </a:r>
-          </a:p>
-          <a:p>
-            <a:r>
-              <a:rPr lang="en-US" baseline="0" dirty="0" smtClean="0"/>
-              <a:t>By giving the data to the people that need it we can complete more internal Benthic stressor analyses- save money on contracting out projects and when contractors are involved it allows TMDL staff to double check and understand data, further expediting larger projects</a:t>
-            </a:r>
-          </a:p>
-          <a:p>
-            <a:endParaRPr lang="en-US" baseline="0" dirty="0" smtClean="0"/>
-          </a:p>
-          <a:p>
-            <a:endParaRPr lang="en-US" baseline="0" dirty="0" smtClean="0"/>
-          </a:p>
-          <a:p>
-            <a:r>
-              <a:rPr lang="en-US" baseline="0" dirty="0" smtClean="0"/>
-              <a:t>Unanticipated:</a:t>
-            </a:r>
-          </a:p>
-          <a:p>
-            <a:r>
-              <a:rPr lang="en-US" baseline="0" dirty="0" smtClean="0"/>
-              <a:t>Didn’t expect people to find so many uses for the tool. A hit with biologists and TMDL management for quickly generating nesting rationales</a:t>
-            </a:r>
-          </a:p>
-          <a:p>
-            <a:endParaRPr lang="en-US" baseline="0" dirty="0" smtClean="0"/>
-          </a:p>
-          <a:p>
-            <a:r>
-              <a:rPr lang="en-US" baseline="0" dirty="0" smtClean="0"/>
-              <a:t>Gateway app- first big app we rolled out from </a:t>
-            </a:r>
-            <a:r>
-              <a:rPr lang="en-US" baseline="0" dirty="0" err="1" smtClean="0"/>
-              <a:t>ProbMon</a:t>
-            </a:r>
-            <a:r>
-              <a:rPr lang="en-US" baseline="0" dirty="0" smtClean="0"/>
-              <a:t> group and inspired the tools mentioned previously for the Permit group as well as using Shiny apps for Pollution response, Water quality assessment, </a:t>
-            </a:r>
-            <a:r>
-              <a:rPr lang="en-US" baseline="0" dirty="0" err="1" smtClean="0"/>
-              <a:t>etc</a:t>
-            </a:r>
             <a:endParaRPr lang="en-US" dirty="0"/>
           </a:p>
         </p:txBody>
@@ -1475,48 +1151,7 @@
           <a:bodyPr/>
           <a:lstStyle/>
           <a:p>
-            <a:r>
-              <a:rPr lang="en-US" dirty="0" smtClean="0"/>
-              <a:t>A number of</a:t>
-            </a:r>
-            <a:r>
-              <a:rPr lang="en-US" baseline="0" dirty="0" smtClean="0"/>
-              <a:t> stressor reports and previously mentioned landowner reports</a:t>
-            </a:r>
-          </a:p>
-          <a:p>
-            <a:endParaRPr lang="en-US" baseline="0" dirty="0" smtClean="0"/>
-          </a:p>
-          <a:p>
-            <a:r>
-              <a:rPr lang="en-US" baseline="0" dirty="0" smtClean="0"/>
-              <a:t>Use threshold in Assessment application for additional contexts for assessors </a:t>
-            </a:r>
-          </a:p>
-          <a:p>
-            <a:endParaRPr lang="en-US" baseline="0" dirty="0" smtClean="0"/>
-          </a:p>
-          <a:p>
-            <a:r>
-              <a:rPr lang="en-US" baseline="0" dirty="0" smtClean="0"/>
-              <a:t>Bring it full circle back to some of the other projects mentioned at beginning:</a:t>
-            </a:r>
-          </a:p>
-          <a:p>
-            <a:r>
-              <a:rPr lang="en-US" baseline="0" dirty="0" smtClean="0"/>
-              <a:t>Original Dissolved metals assessment gave birth to the whole background metals application for the permit group</a:t>
-            </a:r>
-          </a:p>
-          <a:p>
-            <a:endParaRPr lang="en-US" baseline="0" dirty="0" smtClean="0"/>
-          </a:p>
-          <a:p>
-            <a:r>
-              <a:rPr lang="en-US" baseline="0" dirty="0" smtClean="0"/>
-              <a:t>Thresholds were useful throughout BCG projects and statewide tolerance attribution activity </a:t>
-            </a:r>
-            <a:endParaRPr lang="en-US" dirty="0" smtClean="0"/>
+            <a:endParaRPr lang="en-US" dirty="0"/>
           </a:p>
         </p:txBody>
       </p:sp>
@@ -1600,10 +1235,6 @@
           <a:bodyPr/>
           <a:lstStyle/>
           <a:p>
-            <a:r>
-              <a:rPr lang="en-US" dirty="0" smtClean="0"/>
-              <a:t>Deer Branch Example Dataset into app</a:t>
-            </a:r>
             <a:endParaRPr lang="en-US" dirty="0"/>
           </a:p>
         </p:txBody>
@@ -1772,219 +1403,6 @@
           <a:bodyPr/>
           <a:lstStyle/>
           <a:p>
-            <a:r>
-              <a:rPr lang="en-US" sz="1200" b="0" i="0" kern="1200" dirty="0" smtClean="0">
-                <a:solidFill>
-                  <a:schemeClr val="tx1"/>
-                </a:solidFill>
-                <a:effectLst/>
-                <a:latin typeface="+mn-lt"/>
-                <a:ea typeface="+mn-ea"/>
-                <a:cs typeface="+mn-cs"/>
-              </a:rPr>
-              <a:t>R Markdown files are designed to be used in three ways:</a:t>
-            </a:r>
-          </a:p>
-          <a:p>
-            <a:r>
-              <a:rPr lang="en-US" sz="1200" b="0" i="0" kern="1200" dirty="0" smtClean="0">
-                <a:solidFill>
-                  <a:schemeClr val="tx1"/>
-                </a:solidFill>
-                <a:effectLst/>
-                <a:latin typeface="+mn-lt"/>
-                <a:ea typeface="+mn-ea"/>
-                <a:cs typeface="+mn-cs"/>
-              </a:rPr>
-              <a:t>For communicating to decision makers, who want to focus on the conclusions, not the code behind the analysis.</a:t>
-            </a:r>
-          </a:p>
-          <a:p>
-            <a:r>
-              <a:rPr lang="en-US" sz="1200" b="0" i="0" kern="1200" dirty="0" smtClean="0">
-                <a:solidFill>
-                  <a:schemeClr val="tx1"/>
-                </a:solidFill>
-                <a:effectLst/>
-                <a:latin typeface="+mn-lt"/>
-                <a:ea typeface="+mn-ea"/>
-                <a:cs typeface="+mn-cs"/>
-              </a:rPr>
-              <a:t>For collaborating with other data scientists (including future you!), who are interested in both your conclusions, and how you reached them ( i.e. the code).</a:t>
-            </a:r>
-          </a:p>
-          <a:p>
-            <a:r>
-              <a:rPr lang="en-US" sz="1200" b="0" i="0" kern="1200" dirty="0" smtClean="0">
-                <a:solidFill>
-                  <a:schemeClr val="tx1"/>
-                </a:solidFill>
-                <a:effectLst/>
-                <a:latin typeface="+mn-lt"/>
-                <a:ea typeface="+mn-ea"/>
-                <a:cs typeface="+mn-cs"/>
-              </a:rPr>
-              <a:t>As an environment in which to </a:t>
-            </a:r>
-            <a:r>
-              <a:rPr lang="en-US" sz="1200" b="0" i="1" kern="1200" dirty="0" smtClean="0">
-                <a:solidFill>
-                  <a:schemeClr val="tx1"/>
-                </a:solidFill>
-                <a:effectLst/>
-                <a:latin typeface="+mn-lt"/>
-                <a:ea typeface="+mn-ea"/>
-                <a:cs typeface="+mn-cs"/>
-              </a:rPr>
-              <a:t>do</a:t>
-            </a:r>
-            <a:r>
-              <a:rPr lang="en-US" sz="1200" b="0" i="0" kern="1200" dirty="0" smtClean="0">
-                <a:solidFill>
-                  <a:schemeClr val="tx1"/>
-                </a:solidFill>
-                <a:effectLst/>
-                <a:latin typeface="+mn-lt"/>
-                <a:ea typeface="+mn-ea"/>
-                <a:cs typeface="+mn-cs"/>
-              </a:rPr>
-              <a:t> data science, as a modern day lab notebook where you can capture not only what you did, but also what you were thinking.</a:t>
-            </a:r>
-          </a:p>
-          <a:p>
-            <a:endParaRPr lang="en-US" dirty="0" smtClean="0"/>
-          </a:p>
-          <a:p>
-            <a:r>
-              <a:rPr lang="en-US" dirty="0" smtClean="0">
-                <a:hlinkClick r:id="rId3"/>
-              </a:rPr>
-              <a:t>https://r4ds.had.co.nz/r-markdown.html</a:t>
-            </a:r>
-            <a:endParaRPr lang="en-US" dirty="0" smtClean="0"/>
-          </a:p>
-          <a:p>
-            <a:endParaRPr lang="en-US" dirty="0" smtClean="0"/>
-          </a:p>
-          <a:p>
-            <a:endParaRPr lang="en-US" dirty="0" smtClean="0"/>
-          </a:p>
-          <a:p>
-            <a:r>
-              <a:rPr lang="en-US" dirty="0" smtClean="0"/>
-              <a:t>Build your .</a:t>
-            </a:r>
-            <a:r>
-              <a:rPr lang="en-US" dirty="0" err="1" smtClean="0"/>
-              <a:t>Rmd</a:t>
-            </a:r>
-            <a:r>
-              <a:rPr lang="en-US" dirty="0" smtClean="0"/>
-              <a:t>, render sends report</a:t>
-            </a:r>
-            <a:r>
-              <a:rPr lang="en-US" baseline="0" dirty="0" smtClean="0"/>
-              <a:t> to </a:t>
-            </a:r>
-            <a:r>
-              <a:rPr lang="en-US" baseline="0" dirty="0" err="1" smtClean="0"/>
-              <a:t>knitr</a:t>
-            </a:r>
-            <a:r>
-              <a:rPr lang="en-US" baseline="0" dirty="0" smtClean="0"/>
-              <a:t> engine and creates new markdown document (plain text version), then </a:t>
-            </a:r>
-            <a:r>
-              <a:rPr lang="en-US" baseline="0" dirty="0" err="1" smtClean="0"/>
-              <a:t>pandoc</a:t>
-            </a:r>
-            <a:r>
-              <a:rPr lang="en-US" baseline="0" dirty="0" smtClean="0"/>
-              <a:t> makes it pretty </a:t>
-            </a:r>
-          </a:p>
-          <a:p>
-            <a:r>
-              <a:rPr lang="en-US" baseline="0" dirty="0" err="1" smtClean="0"/>
-              <a:t>Rmardown</a:t>
-            </a:r>
-            <a:r>
-              <a:rPr lang="en-US" baseline="0" dirty="0" smtClean="0"/>
-              <a:t> combines all these steps into a single package and makes it super easy to use</a:t>
-            </a:r>
-            <a:endParaRPr lang="en-US" dirty="0" smtClean="0"/>
-          </a:p>
-          <a:p>
-            <a:endParaRPr lang="en-US" dirty="0" smtClean="0"/>
-          </a:p>
-          <a:p>
-            <a:endParaRPr lang="en-US" dirty="0" smtClean="0"/>
-          </a:p>
-          <a:p>
-            <a:r>
-              <a:rPr lang="en-US" dirty="0" smtClean="0"/>
-              <a:t>Fire</a:t>
-            </a:r>
-            <a:r>
-              <a:rPr lang="en-US" baseline="0" dirty="0" smtClean="0"/>
-              <a:t> up new project</a:t>
-            </a:r>
-          </a:p>
-          <a:p>
-            <a:endParaRPr lang="en-US" baseline="0" dirty="0" smtClean="0"/>
-          </a:p>
-          <a:p>
-            <a:r>
-              <a:rPr lang="en-US" baseline="0" dirty="0" smtClean="0"/>
-              <a:t>Talk through:</a:t>
-            </a:r>
-          </a:p>
-          <a:p>
-            <a:r>
-              <a:rPr lang="en-US" baseline="0" dirty="0" smtClean="0"/>
-              <a:t>Making new report on their own (File -&gt; New File -&gt; </a:t>
-            </a:r>
-            <a:r>
-              <a:rPr lang="en-US" baseline="0" dirty="0" err="1" smtClean="0"/>
-              <a:t>Rmarkdown</a:t>
-            </a:r>
-            <a:r>
-              <a:rPr lang="en-US" baseline="0" dirty="0" smtClean="0"/>
-              <a:t>)</a:t>
-            </a:r>
-          </a:p>
-          <a:p>
-            <a:r>
-              <a:rPr lang="en-US" baseline="0" dirty="0" smtClean="0"/>
-              <a:t>Types of output, implications</a:t>
-            </a:r>
-          </a:p>
-          <a:p>
-            <a:endParaRPr lang="en-US" baseline="0" dirty="0" smtClean="0"/>
-          </a:p>
-          <a:p>
-            <a:r>
-              <a:rPr lang="en-US" baseline="0" dirty="0" smtClean="0"/>
-              <a:t> chunk</a:t>
-            </a:r>
-          </a:p>
-          <a:p>
-            <a:r>
-              <a:rPr lang="en-US" baseline="0" dirty="0" smtClean="0"/>
-              <a:t>Comment</a:t>
-            </a:r>
-          </a:p>
-          <a:p>
-            <a:r>
-              <a:rPr lang="en-US" baseline="0" dirty="0" smtClean="0"/>
-              <a:t>How to run report</a:t>
-            </a:r>
-          </a:p>
-          <a:p>
-            <a:r>
-              <a:rPr lang="en-US" baseline="0" dirty="0" smtClean="0"/>
-              <a:t>How to test report</a:t>
-            </a:r>
             <a:endParaRPr lang="en-US" dirty="0"/>
           </a:p>
         </p:txBody>
@@ -2069,63 +1487,6 @@
           <a:bodyPr/>
           <a:lstStyle/>
           <a:p>
-            <a:r>
-              <a:rPr lang="en-US" dirty="0" smtClean="0"/>
-              <a:t>Important to all get</a:t>
-            </a:r>
-            <a:r>
-              <a:rPr lang="en-US" baseline="0" dirty="0" smtClean="0"/>
-              <a:t> on the same page prior to diving in.</a:t>
-            </a:r>
-          </a:p>
-          <a:p>
-            <a:endParaRPr lang="en-US" baseline="0" dirty="0" smtClean="0"/>
-          </a:p>
-          <a:p>
-            <a:r>
-              <a:rPr lang="en-US" baseline="0" dirty="0" smtClean="0"/>
-              <a:t>Overview some of the ways VA is taking advantage of these reproducible workflows to expedite analyses, streamline workflows, standardize end products.</a:t>
-            </a:r>
-          </a:p>
-          <a:p>
-            <a:endParaRPr lang="en-US" baseline="0" dirty="0" smtClean="0"/>
-          </a:p>
-          <a:p>
-            <a:r>
-              <a:rPr lang="en-US" baseline="0" dirty="0" smtClean="0"/>
-              <a:t>Start by showing one of the directions we have taken these ideas of automated analyses and reports: Benthic Stressor analysis process</a:t>
-            </a:r>
-          </a:p>
-          <a:p>
-            <a:endParaRPr lang="en-US" baseline="0" dirty="0" smtClean="0"/>
-          </a:p>
-          <a:p>
-            <a:r>
-              <a:rPr lang="en-US" baseline="0" dirty="0" smtClean="0"/>
-              <a:t>Next: Semi hands on section- Use benthic data to build an automated report in </a:t>
-            </a:r>
-            <a:r>
-              <a:rPr lang="en-US" baseline="0" dirty="0" err="1" smtClean="0"/>
-              <a:t>Rmarkdown</a:t>
-            </a:r>
-            <a:endParaRPr lang="en-US" baseline="0" dirty="0" smtClean="0"/>
-          </a:p>
-          <a:p>
-            <a:endParaRPr lang="en-US" baseline="0" dirty="0" smtClean="0"/>
-          </a:p>
-          <a:p>
-            <a:r>
-              <a:rPr lang="en-US" baseline="0" dirty="0" smtClean="0"/>
-              <a:t>Last: Discussion of other Virginia uses of these techniques- Landowner reports for Biologists, Biologist Fact Sheets for Assessment Process (shiny), </a:t>
-            </a:r>
-            <a:r>
-              <a:rPr lang="en-US" baseline="0" dirty="0" err="1" smtClean="0"/>
-              <a:t>ProbMon</a:t>
-            </a:r>
-            <a:r>
-              <a:rPr lang="en-US" baseline="0" dirty="0" smtClean="0"/>
-              <a:t> Integrated Report Chapter</a:t>
-            </a:r>
             <a:endParaRPr lang="en-US" dirty="0"/>
           </a:p>
         </p:txBody>
@@ -2210,132 +1571,6 @@
           <a:bodyPr/>
           <a:lstStyle/>
           <a:p>
-            <a:r>
-              <a:rPr lang="en-US" dirty="0" smtClean="0"/>
-              <a:t>Other uses:</a:t>
-            </a:r>
-          </a:p>
-          <a:p>
-            <a:endParaRPr lang="en-US" dirty="0" smtClean="0"/>
-          </a:p>
-          <a:p>
-            <a:r>
-              <a:rPr lang="en-US" dirty="0" smtClean="0"/>
-              <a:t>Currently Building out benthic report</a:t>
-            </a:r>
-            <a:r>
-              <a:rPr lang="en-US" baseline="0" dirty="0" smtClean="0"/>
-              <a:t> further to link in to our benthic database to allow biologists to analyze their data and save their comments for a site with particular reporting cycle</a:t>
-            </a:r>
-          </a:p>
-          <a:p>
-            <a:pPr marL="171450" indent="-171450">
-              <a:buFontTx/>
-              <a:buChar char="-"/>
-            </a:pPr>
-            <a:r>
-              <a:rPr lang="en-US" baseline="0" dirty="0" smtClean="0"/>
-              <a:t>This will feed into our riverine assessment applications so assessor will have permanent record (on the fly) of all biologist assessments of benthic communities</a:t>
-            </a:r>
-          </a:p>
-          <a:p>
-            <a:pPr marL="171450" indent="-171450">
-              <a:buFontTx/>
-              <a:buChar char="-"/>
-            </a:pPr>
-            <a:r>
-              <a:rPr lang="en-US" baseline="0" dirty="0" smtClean="0"/>
-              <a:t>Faster assessments of sites by assessors (who are not biologists) and fewer duplicated biologist assessment reports floating around</a:t>
-            </a:r>
-          </a:p>
-          <a:p>
-            <a:pPr marL="171450" indent="-171450">
-              <a:buFontTx/>
-              <a:buChar char="-"/>
-            </a:pPr>
-            <a:endParaRPr lang="en-US" baseline="0" dirty="0" smtClean="0"/>
-          </a:p>
-          <a:p>
-            <a:pPr marL="0" indent="0">
-              <a:buFontTx/>
-              <a:buNone/>
-            </a:pPr>
-            <a:r>
-              <a:rPr lang="en-US" baseline="0" dirty="0" smtClean="0"/>
-              <a:t>Landowner report for biologists to get out faster at appropriate assessment level for audience</a:t>
-            </a:r>
-          </a:p>
-          <a:p>
-            <a:pPr marL="0" indent="0">
-              <a:buFontTx/>
-              <a:buNone/>
-            </a:pPr>
-            <a:endParaRPr lang="en-US" baseline="0" dirty="0" smtClean="0"/>
-          </a:p>
-          <a:p>
-            <a:pPr marL="0" indent="0">
-              <a:buFontTx/>
-              <a:buNone/>
-            </a:pPr>
-            <a:r>
-              <a:rPr lang="en-US" baseline="0" dirty="0" smtClean="0"/>
-              <a:t>Landowner report tool NLA (can demo), NRSA 2019</a:t>
-            </a:r>
-          </a:p>
-          <a:p>
-            <a:pPr marL="0" indent="0">
-              <a:buFontTx/>
-              <a:buNone/>
-            </a:pPr>
-            <a:endParaRPr lang="en-US" baseline="0" dirty="0" smtClean="0"/>
-          </a:p>
-          <a:p>
-            <a:pPr marL="0" indent="0">
-              <a:buFontTx/>
-              <a:buNone/>
-            </a:pPr>
-            <a:r>
-              <a:rPr lang="en-US" baseline="0" dirty="0" smtClean="0"/>
-              <a:t>Pipeline monitoring automated report for data exploration, shiny capabilities</a:t>
-            </a:r>
-          </a:p>
-          <a:p>
-            <a:pPr marL="0" indent="0">
-              <a:buFontTx/>
-              <a:buNone/>
-            </a:pPr>
-            <a:endParaRPr lang="en-US" baseline="0" dirty="0" smtClean="0"/>
-          </a:p>
-          <a:p>
-            <a:pPr marL="0" indent="0">
-              <a:buFontTx/>
-              <a:buNone/>
-            </a:pPr>
-            <a:r>
-              <a:rPr lang="en-US" baseline="0" dirty="0" smtClean="0"/>
-              <a:t>Chesapeake Bay Watershed Implementation Plan (WIP) Data Dashboard by </a:t>
-            </a:r>
-            <a:r>
-              <a:rPr lang="en-US" baseline="0" smtClean="0"/>
-              <a:t>Steven Hummel</a:t>
-            </a:r>
-            <a:endParaRPr lang="en-US" baseline="0" dirty="0" smtClean="0"/>
-          </a:p>
-          <a:p>
-            <a:pPr marL="0" indent="0">
-              <a:buFontTx/>
-              <a:buNone/>
-            </a:pPr>
-            <a:endParaRPr lang="en-US" baseline="0" dirty="0" smtClean="0"/>
-          </a:p>
-          <a:p>
-            <a:pPr marL="171450" indent="-171450">
-              <a:buFontTx/>
-              <a:buChar char="-"/>
-            </a:pPr>
-            <a:endParaRPr lang="en-US" baseline="0" dirty="0" smtClean="0"/>
-          </a:p>
-          <a:p>
             <a:pPr marL="0" indent="0">
               <a:buFontTx/>
               <a:buNone/>
@@ -2361,7 +1596,7 @@
           <a:p>
             <a:fld id="{4A92FF8F-04FD-4F09-B5D8-3DFBDF46CD6B}" type="slidenum">
               <a:rPr lang="en-US" smtClean="0"/>
-              <a:t>24</a:t>
+              <a:t>25</a:t>
             </a:fld>
             <a:endParaRPr lang="en-US"/>
           </a:p>
@@ -2424,22 +1659,6 @@
           <a:bodyPr/>
           <a:lstStyle/>
           <a:p>
-            <a:r>
-              <a:rPr lang="en-US" dirty="0" smtClean="0"/>
-              <a:t>Describe</a:t>
-            </a:r>
-            <a:r>
-              <a:rPr lang="en-US" baseline="0" dirty="0" smtClean="0"/>
-              <a:t> split between assessment and </a:t>
-            </a:r>
-            <a:r>
-              <a:rPr lang="en-US" baseline="0" dirty="0" err="1" smtClean="0"/>
-              <a:t>probmon</a:t>
-            </a:r>
-            <a:r>
-              <a:rPr lang="en-US" baseline="0" dirty="0" smtClean="0"/>
-              <a:t> program</a:t>
-            </a:r>
             <a:endParaRPr lang="en-US" dirty="0"/>
           </a:p>
         </p:txBody>
@@ -2524,37 +1743,6 @@
           <a:bodyPr/>
           <a:lstStyle/>
           <a:p>
-            <a:pPr marL="0" marR="0" indent="0" algn="l" defTabSz="914400" rtl="0" eaLnBrk="1" fontAlgn="auto" latinLnBrk="0" hangingPunct="1">
-              <a:lnSpc>
-                <a:spcPct val="100000"/>
-              </a:lnSpc>
-              <a:spcBef>
-                <a:spcPts val="0"/>
-              </a:spcBef>
-              <a:spcAft>
-                <a:spcPts val="0"/>
-              </a:spcAft>
-              <a:buClrTx/>
-              <a:buSzTx/>
-              <a:buFontTx/>
-              <a:buNone/>
-              <a:tabLst/>
-              <a:defRPr/>
-            </a:pPr>
-            <a:r>
-              <a:rPr lang="en-US" sz="1200" kern="1200" dirty="0" smtClean="0">
-                <a:solidFill>
-                  <a:schemeClr val="tx1"/>
-                </a:solidFill>
-                <a:effectLst/>
-                <a:latin typeface="+mn-lt"/>
-                <a:ea typeface="+mn-ea"/>
-                <a:cs typeface="+mn-cs"/>
-              </a:rPr>
-              <a:t>Since 2001 we have collected about 60 sites year, such that, through 2016, we have 735 sites of paired benthic, water chemistry, and habitat data </a:t>
-            </a:r>
-          </a:p>
-          <a:p>
             <a:endParaRPr lang="en-US" dirty="0"/>
           </a:p>
         </p:txBody>
@@ -2639,200 +1827,6 @@
           <a:bodyPr/>
           <a:lstStyle/>
           <a:p>
-            <a:pPr marL="0" marR="0" indent="0" algn="l" defTabSz="914400" rtl="0" eaLnBrk="1" fontAlgn="auto" latinLnBrk="0" hangingPunct="1">
-              <a:lnSpc>
-                <a:spcPct val="100000"/>
-              </a:lnSpc>
-              <a:spcBef>
-                <a:spcPts val="0"/>
-              </a:spcBef>
-              <a:spcAft>
-                <a:spcPts val="0"/>
-              </a:spcAft>
-              <a:buClrTx/>
-              <a:buSzTx/>
-              <a:buFontTx/>
-              <a:buNone/>
-              <a:tabLst/>
-              <a:defRPr/>
-            </a:pPr>
-            <a:r>
-              <a:rPr lang="en-US" sz="1200" kern="1200" dirty="0" smtClean="0">
-                <a:solidFill>
-                  <a:schemeClr val="tx1"/>
-                </a:solidFill>
-                <a:effectLst/>
-                <a:latin typeface="+mn-lt"/>
-                <a:ea typeface="+mn-ea"/>
-                <a:cs typeface="+mn-cs"/>
-              </a:rPr>
-              <a:t>The density of this dataset has allowed us to start breaking up out estimates at various spatial scales </a:t>
-            </a:r>
-            <a:r>
-              <a:rPr lang="en-US" sz="1200" kern="1200" baseline="0" dirty="0" smtClean="0">
-                <a:solidFill>
-                  <a:schemeClr val="tx1"/>
-                </a:solidFill>
-                <a:effectLst/>
-                <a:latin typeface="+mn-lt"/>
-                <a:ea typeface="+mn-ea"/>
-                <a:cs typeface="+mn-cs"/>
-              </a:rPr>
-              <a:t>instead of just </a:t>
-            </a:r>
-            <a:r>
-              <a:rPr lang="en-US" sz="1200" kern="1200" dirty="0" smtClean="0">
-                <a:solidFill>
-                  <a:schemeClr val="tx1"/>
-                </a:solidFill>
-                <a:effectLst/>
-                <a:latin typeface="+mn-lt"/>
-                <a:ea typeface="+mn-ea"/>
-                <a:cs typeface="+mn-cs"/>
-              </a:rPr>
-              <a:t>statewide estimates.</a:t>
-            </a:r>
-          </a:p>
-          <a:p>
-            <a:pPr marL="0" marR="0" indent="0" algn="l" defTabSz="914400" rtl="0" eaLnBrk="1" fontAlgn="auto" latinLnBrk="0" hangingPunct="1">
-              <a:lnSpc>
-                <a:spcPct val="100000"/>
-              </a:lnSpc>
-              <a:spcBef>
-                <a:spcPts val="0"/>
-              </a:spcBef>
-              <a:spcAft>
-                <a:spcPts val="0"/>
-              </a:spcAft>
-              <a:buClrTx/>
-              <a:buSzTx/>
-              <a:buFontTx/>
-              <a:buNone/>
-              <a:tabLst/>
-              <a:defRPr/>
-            </a:pPr>
-            <a:endParaRPr lang="en-US" sz="1200" kern="1200" dirty="0" smtClean="0">
-              <a:solidFill>
-                <a:schemeClr val="tx1"/>
-              </a:solidFill>
-              <a:effectLst/>
-              <a:latin typeface="+mn-lt"/>
-              <a:ea typeface="+mn-ea"/>
-              <a:cs typeface="+mn-cs"/>
-            </a:endParaRPr>
-          </a:p>
-          <a:p>
-            <a:pPr marL="0" marR="0" indent="0" algn="l" defTabSz="914400" rtl="0" eaLnBrk="1" fontAlgn="auto" latinLnBrk="0" hangingPunct="1">
-              <a:lnSpc>
-                <a:spcPct val="100000"/>
-              </a:lnSpc>
-              <a:spcBef>
-                <a:spcPts val="0"/>
-              </a:spcBef>
-              <a:spcAft>
-                <a:spcPts val="0"/>
-              </a:spcAft>
-              <a:buClrTx/>
-              <a:buSzTx/>
-              <a:buFontTx/>
-              <a:buNone/>
-              <a:tabLst/>
-              <a:defRPr/>
-            </a:pPr>
-            <a:r>
-              <a:rPr lang="en-US" sz="1200" kern="1200" dirty="0" smtClean="0">
-                <a:solidFill>
-                  <a:schemeClr val="tx1"/>
-                </a:solidFill>
-                <a:effectLst/>
-                <a:latin typeface="+mn-lt"/>
-                <a:ea typeface="+mn-ea"/>
-                <a:cs typeface="+mn-cs"/>
-              </a:rPr>
-              <a:t>Allowing us to drill in by ecoregion, basin, and stream order . </a:t>
-            </a:r>
-          </a:p>
-          <a:p>
-            <a:pPr marL="0" marR="0" indent="0" algn="l" defTabSz="914400" rtl="0" eaLnBrk="1" fontAlgn="auto" latinLnBrk="0" hangingPunct="1">
-              <a:lnSpc>
-                <a:spcPct val="100000"/>
-              </a:lnSpc>
-              <a:spcBef>
-                <a:spcPts val="0"/>
-              </a:spcBef>
-              <a:spcAft>
-                <a:spcPts val="0"/>
-              </a:spcAft>
-              <a:buClrTx/>
-              <a:buSzTx/>
-              <a:buFontTx/>
-              <a:buNone/>
-              <a:tabLst/>
-              <a:defRPr/>
-            </a:pPr>
-            <a:endParaRPr lang="en-US" sz="1200" kern="1200" dirty="0" smtClean="0">
-              <a:solidFill>
-                <a:schemeClr val="tx1"/>
-              </a:solidFill>
-              <a:effectLst/>
-              <a:latin typeface="+mn-lt"/>
-              <a:ea typeface="+mn-ea"/>
-              <a:cs typeface="+mn-cs"/>
-            </a:endParaRPr>
-          </a:p>
-          <a:p>
-            <a:pPr marL="0" marR="0" indent="0" algn="l" defTabSz="914400" rtl="0" eaLnBrk="1" fontAlgn="auto" latinLnBrk="0" hangingPunct="1">
-              <a:lnSpc>
-                <a:spcPct val="100000"/>
-              </a:lnSpc>
-              <a:spcBef>
-                <a:spcPts val="0"/>
-              </a:spcBef>
-              <a:spcAft>
-                <a:spcPts val="0"/>
-              </a:spcAft>
-              <a:buClrTx/>
-              <a:buSzTx/>
-              <a:buFontTx/>
-              <a:buNone/>
-              <a:tabLst/>
-              <a:defRPr/>
-            </a:pPr>
-            <a:r>
-              <a:rPr lang="en-US" sz="1200" kern="1200" dirty="0" smtClean="0">
-                <a:solidFill>
-                  <a:schemeClr val="tx1"/>
-                </a:solidFill>
-                <a:effectLst/>
-                <a:latin typeface="+mn-lt"/>
-                <a:ea typeface="+mn-ea"/>
-                <a:cs typeface="+mn-cs"/>
-              </a:rPr>
-              <a:t>We finally</a:t>
-            </a:r>
-            <a:r>
-              <a:rPr lang="en-US" sz="1200" kern="1200" baseline="0" dirty="0" smtClean="0">
-                <a:solidFill>
-                  <a:schemeClr val="tx1"/>
-                </a:solidFill>
-                <a:effectLst/>
-                <a:latin typeface="+mn-lt"/>
-                <a:ea typeface="+mn-ea"/>
-                <a:cs typeface="+mn-cs"/>
-              </a:rPr>
-              <a:t> have the n to make statistically valid statements about these different spatial scales and can start to compare different parameters and biological response spatially</a:t>
-            </a:r>
-            <a:endParaRPr lang="en-US" sz="1200" kern="1200" dirty="0" smtClean="0">
-              <a:solidFill>
-                <a:schemeClr val="tx1"/>
-              </a:solidFill>
-              <a:effectLst/>
-              <a:latin typeface="+mn-lt"/>
-              <a:ea typeface="+mn-ea"/>
-              <a:cs typeface="+mn-cs"/>
-            </a:endParaRPr>
-          </a:p>
-          <a:p>
             <a:endParaRPr lang="en-US" dirty="0"/>
           </a:p>
         </p:txBody>
@@ -2934,207 +1928,6 @@
               <a:tabLst/>
               <a:defRPr/>
             </a:pPr>
-            <a:r>
-              <a:rPr lang="en-US" sz="1200" kern="1200" dirty="0" smtClean="0">
-                <a:solidFill>
-                  <a:schemeClr val="tx1"/>
-                </a:solidFill>
-                <a:effectLst/>
-                <a:latin typeface="+mn-lt"/>
-                <a:ea typeface="+mn-ea"/>
-                <a:cs typeface="+mn-cs"/>
-              </a:rPr>
-              <a:t>Virginia’s most recent prioritization identified 204 segments listed as impaired for benthic macroinvertebrate community</a:t>
-            </a:r>
-          </a:p>
-          <a:p>
-            <a:pPr marL="0" marR="0" indent="0" algn="l" defTabSz="914400" rtl="0" eaLnBrk="1" fontAlgn="auto" latinLnBrk="0" hangingPunct="1">
-              <a:lnSpc>
-                <a:spcPct val="100000"/>
-              </a:lnSpc>
-              <a:spcBef>
-                <a:spcPts val="0"/>
-              </a:spcBef>
-              <a:spcAft>
-                <a:spcPts val="0"/>
-              </a:spcAft>
-              <a:buClrTx/>
-              <a:buSzTx/>
-              <a:buFontTx/>
-              <a:buNone/>
-              <a:tabLst/>
-              <a:defRPr/>
-            </a:pPr>
-            <a:endParaRPr lang="en-US" sz="1200" kern="1200" dirty="0" smtClean="0">
-              <a:solidFill>
-                <a:schemeClr val="tx1"/>
-              </a:solidFill>
-              <a:effectLst/>
-              <a:latin typeface="+mn-lt"/>
-              <a:ea typeface="+mn-ea"/>
-              <a:cs typeface="+mn-cs"/>
-            </a:endParaRPr>
-          </a:p>
-          <a:p>
-            <a:pPr marL="0" marR="0" indent="0" algn="l" defTabSz="914400" rtl="0" eaLnBrk="1" fontAlgn="auto" latinLnBrk="0" hangingPunct="1">
-              <a:lnSpc>
-                <a:spcPct val="100000"/>
-              </a:lnSpc>
-              <a:spcBef>
-                <a:spcPts val="0"/>
-              </a:spcBef>
-              <a:spcAft>
-                <a:spcPts val="0"/>
-              </a:spcAft>
-              <a:buClrTx/>
-              <a:buSzTx/>
-              <a:buFontTx/>
-              <a:buNone/>
-              <a:tabLst/>
-              <a:defRPr/>
-            </a:pPr>
-            <a:r>
-              <a:rPr lang="en-US" sz="1200" kern="1200" dirty="0" smtClean="0">
-                <a:solidFill>
-                  <a:schemeClr val="tx1"/>
-                </a:solidFill>
-                <a:effectLst/>
-                <a:latin typeface="+mn-lt"/>
-                <a:ea typeface="+mn-ea"/>
-                <a:cs typeface="+mn-cs"/>
-              </a:rPr>
-              <a:t>Each</a:t>
-            </a:r>
-            <a:r>
-              <a:rPr lang="en-US" sz="1200" kern="1200" baseline="0" dirty="0" smtClean="0">
-                <a:solidFill>
-                  <a:schemeClr val="tx1"/>
-                </a:solidFill>
-                <a:effectLst/>
-                <a:latin typeface="+mn-lt"/>
-                <a:ea typeface="+mn-ea"/>
-                <a:cs typeface="+mn-cs"/>
-              </a:rPr>
-              <a:t> of these require stressor analyses to be completed by us or a contractor</a:t>
-            </a:r>
-          </a:p>
-          <a:p>
-            <a:pPr marL="0" marR="0" indent="0" algn="l" defTabSz="914400" rtl="0" eaLnBrk="1" fontAlgn="auto" latinLnBrk="0" hangingPunct="1">
-              <a:lnSpc>
-                <a:spcPct val="100000"/>
-              </a:lnSpc>
-              <a:spcBef>
-                <a:spcPts val="0"/>
-              </a:spcBef>
-              <a:spcAft>
-                <a:spcPts val="0"/>
-              </a:spcAft>
-              <a:buClrTx/>
-              <a:buSzTx/>
-              <a:buFontTx/>
-              <a:buNone/>
-              <a:tabLst/>
-              <a:defRPr/>
-            </a:pPr>
-            <a:endParaRPr lang="en-US" sz="1200" kern="1200" baseline="0" dirty="0" smtClean="0">
-              <a:solidFill>
-                <a:schemeClr val="tx1"/>
-              </a:solidFill>
-              <a:effectLst/>
-              <a:latin typeface="+mn-lt"/>
-              <a:ea typeface="+mn-ea"/>
-              <a:cs typeface="+mn-cs"/>
-            </a:endParaRPr>
-          </a:p>
-          <a:p>
-            <a:pPr marL="0" marR="0" indent="0" algn="l" defTabSz="914400" rtl="0" eaLnBrk="1" fontAlgn="auto" latinLnBrk="0" hangingPunct="1">
-              <a:lnSpc>
-                <a:spcPct val="100000"/>
-              </a:lnSpc>
-              <a:spcBef>
-                <a:spcPts val="0"/>
-              </a:spcBef>
-              <a:spcAft>
-                <a:spcPts val="0"/>
-              </a:spcAft>
-              <a:buClrTx/>
-              <a:buSzTx/>
-              <a:buFontTx/>
-              <a:buNone/>
-              <a:tabLst/>
-              <a:defRPr/>
-            </a:pPr>
-            <a:r>
-              <a:rPr lang="en-US" sz="1200" kern="1200" baseline="0" dirty="0" smtClean="0">
-                <a:solidFill>
-                  <a:schemeClr val="tx1"/>
-                </a:solidFill>
-                <a:effectLst/>
-                <a:latin typeface="+mn-lt"/>
-                <a:ea typeface="+mn-ea"/>
-                <a:cs typeface="+mn-cs"/>
-              </a:rPr>
-              <a:t>BY 2022</a:t>
-            </a:r>
-          </a:p>
-          <a:p>
-            <a:pPr marL="0" marR="0" indent="0" algn="l" defTabSz="914400" rtl="0" eaLnBrk="1" fontAlgn="auto" latinLnBrk="0" hangingPunct="1">
-              <a:lnSpc>
-                <a:spcPct val="100000"/>
-              </a:lnSpc>
-              <a:spcBef>
-                <a:spcPts val="0"/>
-              </a:spcBef>
-              <a:spcAft>
-                <a:spcPts val="0"/>
-              </a:spcAft>
-              <a:buClrTx/>
-              <a:buSzTx/>
-              <a:buFontTx/>
-              <a:buNone/>
-              <a:tabLst/>
-              <a:defRPr/>
-            </a:pPr>
-            <a:endParaRPr lang="en-US" sz="1200" kern="1200" baseline="0" dirty="0" smtClean="0">
-              <a:solidFill>
-                <a:schemeClr val="tx1"/>
-              </a:solidFill>
-              <a:effectLst/>
-              <a:latin typeface="+mn-lt"/>
-              <a:ea typeface="+mn-ea"/>
-              <a:cs typeface="+mn-cs"/>
-            </a:endParaRPr>
-          </a:p>
-          <a:p>
-            <a:pPr marL="0" marR="0" indent="0" algn="l" defTabSz="914400" rtl="0" eaLnBrk="1" fontAlgn="auto" latinLnBrk="0" hangingPunct="1">
-              <a:lnSpc>
-                <a:spcPct val="100000"/>
-              </a:lnSpc>
-              <a:spcBef>
-                <a:spcPts val="0"/>
-              </a:spcBef>
-              <a:spcAft>
-                <a:spcPts val="0"/>
-              </a:spcAft>
-              <a:buClrTx/>
-              <a:buSzTx/>
-              <a:buFontTx/>
-              <a:buNone/>
-              <a:tabLst/>
-              <a:defRPr/>
-            </a:pPr>
-            <a:r>
-              <a:rPr lang="en-US" sz="1200" kern="1200" baseline="0" dirty="0" smtClean="0">
-                <a:solidFill>
-                  <a:schemeClr val="tx1"/>
-                </a:solidFill>
-                <a:effectLst/>
-                <a:latin typeface="+mn-lt"/>
-                <a:ea typeface="+mn-ea"/>
-                <a:cs typeface="+mn-cs"/>
-              </a:rPr>
-              <a:t>But our TMDL staff are not necessarily biologists  who can look at taxa list and start to understand data, so we wrote a report offering guidance on how to complete benthic stressor analyses in VA</a:t>
-            </a:r>
             <a:endParaRPr lang="en-US" dirty="0"/>
           </a:p>
         </p:txBody>
@@ -3219,93 +2012,6 @@
           <a:bodyPr/>
           <a:lstStyle/>
           <a:p>
-            <a:r>
-              <a:rPr lang="en-US" dirty="0" smtClean="0"/>
-              <a:t>Report published</a:t>
-            </a:r>
-            <a:r>
-              <a:rPr lang="en-US" baseline="0" dirty="0" smtClean="0"/>
-              <a:t> in 2017 </a:t>
-            </a:r>
-          </a:p>
-          <a:p>
-            <a:endParaRPr lang="en-US" baseline="0" dirty="0" smtClean="0"/>
-          </a:p>
-          <a:p>
-            <a:pPr marL="0" marR="0" indent="0" algn="l" defTabSz="914400" rtl="0" eaLnBrk="1" fontAlgn="auto" latinLnBrk="0" hangingPunct="1">
-              <a:lnSpc>
-                <a:spcPct val="100000"/>
-              </a:lnSpc>
-              <a:spcBef>
-                <a:spcPts val="0"/>
-              </a:spcBef>
-              <a:spcAft>
-                <a:spcPts val="0"/>
-              </a:spcAft>
-              <a:buClrTx/>
-              <a:buSzTx/>
-              <a:buFontTx/>
-              <a:buNone/>
-              <a:tabLst/>
-              <a:defRPr/>
-            </a:pPr>
-            <a:r>
-              <a:rPr lang="en-US" baseline="0" dirty="0" smtClean="0"/>
-              <a:t>Uses </a:t>
-            </a:r>
-            <a:r>
-              <a:rPr lang="en-US" baseline="0" dirty="0" err="1" smtClean="0"/>
-              <a:t>probmon</a:t>
-            </a:r>
-            <a:r>
-              <a:rPr lang="en-US" baseline="0" dirty="0" smtClean="0"/>
-              <a:t> data- paired benthic and water chemistry dataset- to categorize all available data as either a non stressor, possible, most probable in order to identify potential causes of the shift in biological community</a:t>
-            </a:r>
-          </a:p>
-          <a:p>
-            <a:pPr marL="0" marR="0" indent="0" algn="l" defTabSz="914400" rtl="0" eaLnBrk="1" fontAlgn="auto" latinLnBrk="0" hangingPunct="1">
-              <a:lnSpc>
-                <a:spcPct val="100000"/>
-              </a:lnSpc>
-              <a:spcBef>
-                <a:spcPts val="0"/>
-              </a:spcBef>
-              <a:spcAft>
-                <a:spcPts val="0"/>
-              </a:spcAft>
-              <a:buClrTx/>
-              <a:buSzTx/>
-              <a:buFontTx/>
-              <a:buNone/>
-              <a:tabLst/>
-              <a:defRPr/>
-            </a:pPr>
-            <a:endParaRPr lang="en-US" baseline="0" dirty="0" smtClean="0"/>
-          </a:p>
-          <a:p>
-            <a:pPr marL="0" marR="0" indent="0" algn="l" defTabSz="914400" rtl="0" eaLnBrk="1" fontAlgn="auto" latinLnBrk="0" hangingPunct="1">
-              <a:lnSpc>
-                <a:spcPct val="100000"/>
-              </a:lnSpc>
-              <a:spcBef>
-                <a:spcPts val="0"/>
-              </a:spcBef>
-              <a:spcAft>
-                <a:spcPts val="0"/>
-              </a:spcAft>
-              <a:buClrTx/>
-              <a:buSzTx/>
-              <a:buFontTx/>
-              <a:buNone/>
-              <a:tabLst/>
-              <a:defRPr/>
-            </a:pPr>
-            <a:r>
-              <a:rPr lang="en-US" baseline="0" dirty="0" smtClean="0"/>
-              <a:t>This weight of evidence approach seeks to identify the main stressor or stressors contributing to the response in biology and is really a guide to help walk users through teasing out potential stressors in the multitude of real life cases where there is no apparent smoking gun</a:t>
-            </a:r>
-          </a:p>
-          <a:p>
             <a:endParaRPr lang="en-US" dirty="0"/>
           </a:p>
         </p:txBody>
@@ -3390,134 +2096,7 @@
           <a:bodyPr/>
           <a:lstStyle/>
           <a:p>
-            <a:r>
-              <a:rPr lang="en-US" sz="1200" kern="1200" dirty="0" smtClean="0">
-                <a:solidFill>
-                  <a:schemeClr val="tx1"/>
-                </a:solidFill>
-                <a:effectLst/>
-                <a:latin typeface="+mn-lt"/>
-                <a:ea typeface="+mn-ea"/>
-                <a:cs typeface="+mn-cs"/>
-              </a:rPr>
-              <a:t>To</a:t>
-            </a:r>
-            <a:r>
-              <a:rPr lang="en-US" sz="1200" kern="1200" baseline="0" dirty="0" smtClean="0">
-                <a:solidFill>
-                  <a:schemeClr val="tx1"/>
-                </a:solidFill>
-                <a:effectLst/>
-                <a:latin typeface="+mn-lt"/>
-                <a:ea typeface="+mn-ea"/>
-                <a:cs typeface="+mn-cs"/>
-              </a:rPr>
-              <a:t> develop stressor thresholds published in document, began by comparing our </a:t>
-            </a:r>
-            <a:r>
-              <a:rPr lang="en-US" sz="1200" kern="1200" baseline="0" dirty="0" err="1" smtClean="0">
-                <a:solidFill>
-                  <a:schemeClr val="tx1"/>
-                </a:solidFill>
-                <a:effectLst/>
-                <a:latin typeface="+mn-lt"/>
-                <a:ea typeface="+mn-ea"/>
-                <a:cs typeface="+mn-cs"/>
-              </a:rPr>
-              <a:t>Probmon</a:t>
-            </a:r>
-            <a:r>
-              <a:rPr lang="en-US" sz="1200" kern="1200" baseline="0" dirty="0" smtClean="0">
-                <a:solidFill>
-                  <a:schemeClr val="tx1"/>
-                </a:solidFill>
-                <a:effectLst/>
-                <a:latin typeface="+mn-lt"/>
-                <a:ea typeface="+mn-ea"/>
-                <a:cs typeface="+mn-cs"/>
-              </a:rPr>
-              <a:t> parameters against benthic community to identify parameters with demonstrated stressor response </a:t>
-            </a:r>
-          </a:p>
-          <a:p>
-            <a:endParaRPr lang="en-US" sz="1200" kern="1200" dirty="0" smtClean="0">
-              <a:solidFill>
-                <a:schemeClr val="tx1"/>
-              </a:solidFill>
-              <a:effectLst/>
-              <a:latin typeface="+mn-lt"/>
-              <a:ea typeface="+mn-ea"/>
-              <a:cs typeface="+mn-cs"/>
-            </a:endParaRPr>
-          </a:p>
-          <a:p>
-            <a:r>
-              <a:rPr lang="en-US" sz="1200" kern="1200" dirty="0" smtClean="0">
-                <a:solidFill>
-                  <a:schemeClr val="tx1"/>
-                </a:solidFill>
-                <a:effectLst/>
-                <a:latin typeface="+mn-lt"/>
-                <a:ea typeface="+mn-ea"/>
-                <a:cs typeface="+mn-cs"/>
-              </a:rPr>
-              <a:t>After identifying list</a:t>
-            </a:r>
-            <a:r>
-              <a:rPr lang="en-US" sz="1200" kern="1200" baseline="0" dirty="0" smtClean="0">
-                <a:solidFill>
-                  <a:schemeClr val="tx1"/>
-                </a:solidFill>
-                <a:effectLst/>
-                <a:latin typeface="+mn-lt"/>
-                <a:ea typeface="+mn-ea"/>
-                <a:cs typeface="+mn-cs"/>
-              </a:rPr>
-              <a:t> of </a:t>
-            </a:r>
-            <a:r>
-              <a:rPr lang="en-US" sz="1200" kern="1200" dirty="0" smtClean="0">
-                <a:solidFill>
-                  <a:schemeClr val="tx1"/>
-                </a:solidFill>
-                <a:effectLst/>
-                <a:latin typeface="+mn-lt"/>
-                <a:ea typeface="+mn-ea"/>
-                <a:cs typeface="+mn-cs"/>
-              </a:rPr>
-              <a:t>parameters where relationships exist,</a:t>
-            </a:r>
-            <a:r>
-              <a:rPr lang="en-US" sz="1200" kern="1200" baseline="0" dirty="0" smtClean="0">
-                <a:solidFill>
-                  <a:schemeClr val="tx1"/>
-                </a:solidFill>
-                <a:effectLst/>
-                <a:latin typeface="+mn-lt"/>
-                <a:ea typeface="+mn-ea"/>
-                <a:cs typeface="+mn-cs"/>
-              </a:rPr>
-              <a:t> u</a:t>
-            </a:r>
-            <a:r>
-              <a:rPr lang="en-US" dirty="0" smtClean="0"/>
-              <a:t>se combination</a:t>
-            </a:r>
-            <a:r>
-              <a:rPr lang="en-US" baseline="0" dirty="0" smtClean="0"/>
-              <a:t> of statistical methods used in our </a:t>
-            </a:r>
-            <a:r>
-              <a:rPr lang="en-US" baseline="0" dirty="0" err="1" smtClean="0"/>
-              <a:t>ProbMon</a:t>
-            </a:r>
-            <a:r>
-              <a:rPr lang="en-US" baseline="0" dirty="0" smtClean="0"/>
-              <a:t> program but not readily utilized in TMDL work of quantile regression, conditional probability, and relative risk to find cutoff points at which we could state varying levels of increased risk to biological community </a:t>
-            </a:r>
-          </a:p>
-          <a:p>
-            <a:endParaRPr lang="en-US" baseline="0" dirty="0" smtClean="0"/>
+            <a:endParaRPr lang="en-US" dirty="0"/>
           </a:p>
         </p:txBody>
       </p:sp>
@@ -3600,155 +2179,6 @@
         <p:txBody>
           <a:bodyPr/>
           <a:lstStyle/>
-          <a:p>
-            <a:r>
-              <a:rPr lang="en-US" dirty="0" smtClean="0"/>
-              <a:t>Effectively, allow us to</a:t>
-            </a:r>
-            <a:r>
-              <a:rPr lang="en-US" baseline="0" dirty="0" smtClean="0"/>
-              <a:t> put the continuous scale of each parameter into neat little boxes, helping us identify set zones where we can expect incrementally increasing stress to aquatic life.</a:t>
-            </a:r>
-          </a:p>
-          <a:p>
-            <a:endParaRPr lang="en-US" baseline="0" dirty="0" smtClean="0"/>
-          </a:p>
-          <a:p>
-            <a:r>
-              <a:rPr lang="en-US" baseline="0" dirty="0" smtClean="0"/>
-              <a:t>Stress categories translate to:</a:t>
-            </a:r>
-          </a:p>
-          <a:p>
-            <a:r>
-              <a:rPr lang="en-US" sz="1200" kern="1200" dirty="0" smtClean="0">
-                <a:solidFill>
-                  <a:schemeClr val="tx1"/>
-                </a:solidFill>
-                <a:effectLst/>
-                <a:latin typeface="+mn-lt"/>
-                <a:ea typeface="+mn-ea"/>
-                <a:cs typeface="+mn-cs"/>
-              </a:rPr>
-              <a:t>“No Stress to Aquatic Life” means that a parameter range reflects an undisturbed, or background, condition in Virginia. </a:t>
-            </a:r>
-          </a:p>
-          <a:p>
-            <a:endParaRPr lang="en-US" sz="1200" kern="1200" dirty="0" smtClean="0">
-              <a:solidFill>
-                <a:schemeClr val="tx1"/>
-              </a:solidFill>
-              <a:effectLst/>
-              <a:latin typeface="+mn-lt"/>
-              <a:ea typeface="+mn-ea"/>
-              <a:cs typeface="+mn-cs"/>
-            </a:endParaRPr>
-          </a:p>
-          <a:p>
-            <a:r>
-              <a:rPr lang="en-US" sz="1200" kern="1200" dirty="0" smtClean="0">
-                <a:solidFill>
-                  <a:schemeClr val="tx1"/>
-                </a:solidFill>
-                <a:effectLst/>
-                <a:latin typeface="+mn-lt"/>
-                <a:ea typeface="+mn-ea"/>
-                <a:cs typeface="+mn-cs"/>
-              </a:rPr>
-              <a:t>“Low Probability of Stress to Aquatic Life” represents a benthic macroinvertebrate community response that is slightly above background conditions but unlikely to cause a major community shift. </a:t>
-            </a:r>
-          </a:p>
-          <a:p>
-            <a:endParaRPr lang="en-US" sz="1200" kern="1200" dirty="0" smtClean="0">
-              <a:solidFill>
-                <a:schemeClr val="tx1"/>
-              </a:solidFill>
-              <a:effectLst/>
-              <a:latin typeface="+mn-lt"/>
-              <a:ea typeface="+mn-ea"/>
-              <a:cs typeface="+mn-cs"/>
-            </a:endParaRPr>
-          </a:p>
-          <a:p>
-            <a:r>
-              <a:rPr lang="en-US" sz="1200" kern="1200" dirty="0" smtClean="0">
-                <a:solidFill>
-                  <a:schemeClr val="tx1"/>
-                </a:solidFill>
-                <a:effectLst/>
-                <a:latin typeface="+mn-lt"/>
-                <a:ea typeface="+mn-ea"/>
-                <a:cs typeface="+mn-cs"/>
-              </a:rPr>
-              <a:t>“Medium Probability of Stress to Aquatic Life” and means there is noticeable evidence of harm causing a possible shift in benthic communities with changes noticeably above background conditions</a:t>
-            </a:r>
-          </a:p>
-          <a:p>
-            <a:endParaRPr lang="en-US" sz="1200" kern="1200" dirty="0" smtClean="0">
-              <a:solidFill>
-                <a:schemeClr val="tx1"/>
-              </a:solidFill>
-              <a:effectLst/>
-              <a:latin typeface="+mn-lt"/>
-              <a:ea typeface="+mn-ea"/>
-              <a:cs typeface="+mn-cs"/>
-            </a:endParaRPr>
-          </a:p>
-          <a:p>
-            <a:pPr marL="0" marR="0" indent="0" algn="l" defTabSz="914400" rtl="0" eaLnBrk="1" fontAlgn="auto" latinLnBrk="0" hangingPunct="1">
-              <a:lnSpc>
-                <a:spcPct val="100000"/>
-              </a:lnSpc>
-              <a:spcBef>
-                <a:spcPts val="0"/>
-              </a:spcBef>
-              <a:spcAft>
-                <a:spcPts val="0"/>
-              </a:spcAft>
-              <a:buClrTx/>
-              <a:buSzTx/>
-              <a:buFontTx/>
-              <a:buNone/>
-              <a:tabLst/>
-              <a:defRPr/>
-            </a:pPr>
-            <a:r>
-              <a:rPr lang="en-US" sz="1200" kern="1200" dirty="0" smtClean="0">
-                <a:solidFill>
-                  <a:schemeClr val="tx1"/>
-                </a:solidFill>
-                <a:effectLst/>
-                <a:latin typeface="+mn-lt"/>
-                <a:ea typeface="+mn-ea"/>
-                <a:cs typeface="+mn-cs"/>
-              </a:rPr>
-              <a:t>“High Probability of Stress to Aquatic Life” threshold corresponds to values that are among the highest in the Commonwealth and result in </a:t>
-            </a:r>
-            <a:r>
-              <a:rPr lang="en-US" sz="1200" kern="1200" dirty="0" err="1" smtClean="0">
-                <a:solidFill>
-                  <a:schemeClr val="tx1"/>
-                </a:solidFill>
-                <a:effectLst/>
-                <a:latin typeface="+mn-lt"/>
-                <a:ea typeface="+mn-ea"/>
-                <a:cs typeface="+mn-cs"/>
-              </a:rPr>
-              <a:t>degredaton</a:t>
-            </a:r>
-            <a:r>
-              <a:rPr lang="en-US" sz="1200" kern="1200" dirty="0" smtClean="0">
-                <a:solidFill>
-                  <a:schemeClr val="tx1"/>
-                </a:solidFill>
-                <a:effectLst/>
-                <a:latin typeface="+mn-lt"/>
-                <a:ea typeface="+mn-ea"/>
-                <a:cs typeface="+mn-cs"/>
-              </a:rPr>
-              <a:t> of the benthic community</a:t>
-            </a:r>
-          </a:p>
           <a:p>
             <a:endParaRPr lang="en-US" dirty="0"/>
           </a:p>
@@ -3971,7 +2401,7 @@
           <a:p>
             <a:fld id="{FAA65AA1-3D07-4AC3-92FB-E7ED663FAD33}" type="datetimeFigureOut">
               <a:rPr lang="en-US" smtClean="0"/>
-              <a:t>5/14/2019</a:t>
+              <a:t>5/16/2019</a:t>
             </a:fld>
             <a:endParaRPr lang="en-US"/>
           </a:p>
@@ -4141,7 +2571,7 @@
           <a:p>
             <a:fld id="{FAA65AA1-3D07-4AC3-92FB-E7ED663FAD33}" type="datetimeFigureOut">
               <a:rPr lang="en-US" smtClean="0"/>
-              <a:t>5/14/2019</a:t>
+              <a:t>5/16/2019</a:t>
             </a:fld>
             <a:endParaRPr lang="en-US"/>
           </a:p>
@@ -4321,7 +2751,7 @@
           <a:p>
             <a:fld id="{FAA65AA1-3D07-4AC3-92FB-E7ED663FAD33}" type="datetimeFigureOut">
               <a:rPr lang="en-US" smtClean="0"/>
-              <a:t>5/14/2019</a:t>
+              <a:t>5/16/2019</a:t>
             </a:fld>
             <a:endParaRPr lang="en-US"/>
           </a:p>
@@ -4491,7 +2921,7 @@
           <a:p>
             <a:fld id="{FAA65AA1-3D07-4AC3-92FB-E7ED663FAD33}" type="datetimeFigureOut">
               <a:rPr lang="en-US" smtClean="0"/>
-              <a:t>5/14/2019</a:t>
+              <a:t>5/16/2019</a:t>
             </a:fld>
             <a:endParaRPr lang="en-US"/>
           </a:p>
@@ -4737,7 +3167,7 @@
           <a:p>
             <a:fld id="{FAA65AA1-3D07-4AC3-92FB-E7ED663FAD33}" type="datetimeFigureOut">
               <a:rPr lang="en-US" smtClean="0"/>
-              <a:t>5/14/2019</a:t>
+              <a:t>5/16/2019</a:t>
             </a:fld>
             <a:endParaRPr lang="en-US"/>
           </a:p>
@@ -5025,7 +3455,7 @@
           <a:p>
             <a:fld id="{FAA65AA1-3D07-4AC3-92FB-E7ED663FAD33}" type="datetimeFigureOut">
               <a:rPr lang="en-US" smtClean="0"/>
-              <a:t>5/14/2019</a:t>
+              <a:t>5/16/2019</a:t>
             </a:fld>
             <a:endParaRPr lang="en-US"/>
           </a:p>
@@ -5447,7 +3877,7 @@
           <a:p>
             <a:fld id="{FAA65AA1-3D07-4AC3-92FB-E7ED663FAD33}" type="datetimeFigureOut">
               <a:rPr lang="en-US" smtClean="0"/>
-              <a:t>5/14/2019</a:t>
+              <a:t>5/16/2019</a:t>
             </a:fld>
             <a:endParaRPr lang="en-US"/>
           </a:p>
@@ -5565,7 +3995,7 @@
           <a:p>
             <a:fld id="{FAA65AA1-3D07-4AC3-92FB-E7ED663FAD33}" type="datetimeFigureOut">
               <a:rPr lang="en-US" smtClean="0"/>
-              <a:t>5/14/2019</a:t>
+              <a:t>5/16/2019</a:t>
             </a:fld>
             <a:endParaRPr lang="en-US"/>
           </a:p>
@@ -5660,7 +4090,7 @@
           <a:p>
             <a:fld id="{FAA65AA1-3D07-4AC3-92FB-E7ED663FAD33}" type="datetimeFigureOut">
               <a:rPr lang="en-US" smtClean="0"/>
-              <a:t>5/14/2019</a:t>
+              <a:t>5/16/2019</a:t>
             </a:fld>
             <a:endParaRPr lang="en-US"/>
           </a:p>
@@ -5937,7 +4367,7 @@
           <a:p>
             <a:fld id="{FAA65AA1-3D07-4AC3-92FB-E7ED663FAD33}" type="datetimeFigureOut">
               <a:rPr lang="en-US" smtClean="0"/>
-              <a:t>5/14/2019</a:t>
+              <a:t>5/16/2019</a:t>
             </a:fld>
             <a:endParaRPr lang="en-US"/>
           </a:p>
@@ -6190,7 +4620,7 @@
           <a:p>
             <a:fld id="{FAA65AA1-3D07-4AC3-92FB-E7ED663FAD33}" type="datetimeFigureOut">
               <a:rPr lang="en-US" smtClean="0"/>
-              <a:t>5/14/2019</a:t>
+              <a:t>5/16/2019</a:t>
             </a:fld>
             <a:endParaRPr lang="en-US"/>
           </a:p>
@@ -6403,7 +4833,7 @@
           <a:p>
             <a:fld id="{FAA65AA1-3D07-4AC3-92FB-E7ED663FAD33}" type="datetimeFigureOut">
               <a:rPr lang="en-US" smtClean="0"/>
-              <a:t>5/14/2019</a:t>
+              <a:t>5/16/2019</a:t>
             </a:fld>
             <a:endParaRPr lang="en-US"/>
           </a:p>
@@ -11943,7 +10373,6 @@
               <a:rPr lang="en-US" sz="2400" dirty="0"/>
               <a:t>github.com/EmmaVJones/NCTC_Processing-Benthic-Macroinvertebrate-Data-in-R</a:t>
             </a:r>
-            <a:endParaRPr lang="en-US" sz="2400" dirty="0"/>
           </a:p>
         </p:txBody>
       </p:sp>
@@ -13707,6 +12136,324 @@
         </p:nvSpPr>
         <p:spPr>
           <a:xfrm>
+            <a:off x="457200" y="274638"/>
+            <a:ext cx="8229600" cy="1143000"/>
+          </a:xfrm>
+          <a:prstGeom prst="rect">
+            <a:avLst/>
+          </a:prstGeom>
+        </p:spPr>
+        <p:txBody>
+          <a:bodyPr/>
+          <a:lstStyle>
+            <a:lvl1pPr algn="ctr" defTabSz="914400" rtl="0" eaLnBrk="1" latinLnBrk="0" hangingPunct="1">
+              <a:spcBef>
+                <a:spcPct val="0"/>
+              </a:spcBef>
+              <a:buNone/>
+              <a:defRPr sz="4400" kern="1200">
+                <a:solidFill>
+                  <a:schemeClr val="tx1"/>
+                </a:solidFill>
+                <a:latin typeface="+mj-lt"/>
+                <a:ea typeface="+mj-ea"/>
+                <a:cs typeface="+mj-cs"/>
+              </a:defRPr>
+            </a:lvl1pPr>
+          </a:lstStyle>
+          <a:p>
+            <a:r>
+              <a:rPr lang="en-US" dirty="0" smtClean="0"/>
+              <a:t>Resources</a:t>
+            </a:r>
+            <a:endParaRPr lang="en-US" dirty="0"/>
+          </a:p>
+        </p:txBody>
+      </p:sp>
+      <p:grpSp>
+        <p:nvGrpSpPr>
+          <p:cNvPr id="3" name="Group 2"/>
+          <p:cNvGrpSpPr/>
+          <p:nvPr/>
+        </p:nvGrpSpPr>
+        <p:grpSpPr>
+          <a:xfrm>
+            <a:off x="152400" y="152400"/>
+            <a:ext cx="8839200" cy="6527091"/>
+            <a:chOff x="152400" y="152400"/>
+            <a:chExt cx="8839200" cy="6527091"/>
+          </a:xfrm>
+        </p:grpSpPr>
+        <p:pic>
+          <p:nvPicPr>
+            <p:cNvPr id="4" name="Picture 2" descr="C:\HardDriveBackup\NMC\NWQMC_2019\Talk\DEQsquares.bmp"/>
+            <p:cNvPicPr>
+              <a:picLocks noChangeAspect="1" noChangeArrowheads="1"/>
+            </p:cNvPicPr>
+            <p:nvPr/>
+          </p:nvPicPr>
+          <p:blipFill>
+            <a:blip r:embed="rId2" cstate="print">
+              <a:extLst>
+                <a:ext uri="{28A0092B-C50C-407E-A947-70E740481C1C}">
+                  <a14:useLocalDpi xmlns:a14="http://schemas.microsoft.com/office/drawing/2010/main" val="0"/>
+                </a:ext>
+              </a:extLst>
+            </a:blip>
+            <a:srcRect/>
+            <a:stretch>
+              <a:fillRect/>
+            </a:stretch>
+          </p:blipFill>
+          <p:spPr bwMode="auto">
+            <a:xfrm>
+              <a:off x="7772400" y="152400"/>
+              <a:ext cx="1219200" cy="253291"/>
+            </a:xfrm>
+            <a:prstGeom prst="rect">
+              <a:avLst/>
+            </a:prstGeom>
+            <a:noFill/>
+            <a:extLst>
+              <a:ext uri="{909E8E84-426E-40DD-AFC4-6F175D3DCCD1}">
+                <a14:hiddenFill xmlns:a14="http://schemas.microsoft.com/office/drawing/2010/main">
+                  <a:solidFill>
+                    <a:srgbClr val="FFFFFF"/>
+                  </a:solidFill>
+                </a14:hiddenFill>
+              </a:ext>
+            </a:extLst>
+          </p:spPr>
+        </p:pic>
+        <p:pic>
+          <p:nvPicPr>
+            <p:cNvPr id="5" name="Picture 2" descr="C:\HardDriveBackup\NMC\NWQMC_2019\Talk\DEQsquares.bmp"/>
+            <p:cNvPicPr>
+              <a:picLocks noChangeAspect="1" noChangeArrowheads="1"/>
+            </p:cNvPicPr>
+            <p:nvPr/>
+          </p:nvPicPr>
+          <p:blipFill>
+            <a:blip r:embed="rId2" cstate="print">
+              <a:extLst>
+                <a:ext uri="{28A0092B-C50C-407E-A947-70E740481C1C}">
+                  <a14:useLocalDpi xmlns:a14="http://schemas.microsoft.com/office/drawing/2010/main" val="0"/>
+                </a:ext>
+              </a:extLst>
+            </a:blip>
+            <a:srcRect/>
+            <a:stretch>
+              <a:fillRect/>
+            </a:stretch>
+          </p:blipFill>
+          <p:spPr bwMode="auto">
+            <a:xfrm>
+              <a:off x="152400" y="6426200"/>
+              <a:ext cx="1219200" cy="253291"/>
+            </a:xfrm>
+            <a:prstGeom prst="rect">
+              <a:avLst/>
+            </a:prstGeom>
+            <a:noFill/>
+            <a:extLst>
+              <a:ext uri="{909E8E84-426E-40DD-AFC4-6F175D3DCCD1}">
+                <a14:hiddenFill xmlns:a14="http://schemas.microsoft.com/office/drawing/2010/main">
+                  <a:solidFill>
+                    <a:srgbClr val="FFFFFF"/>
+                  </a:solidFill>
+                </a14:hiddenFill>
+              </a:ext>
+            </a:extLst>
+          </p:spPr>
+        </p:pic>
+      </p:grpSp>
+      <p:sp>
+        <p:nvSpPr>
+          <p:cNvPr id="6" name="Rectangle 5"/>
+          <p:cNvSpPr/>
+          <p:nvPr/>
+        </p:nvSpPr>
+        <p:spPr>
+          <a:xfrm>
+            <a:off x="609600" y="1524000"/>
+            <a:ext cx="8077200" cy="2862322"/>
+          </a:xfrm>
+          <a:prstGeom prst="rect">
+            <a:avLst/>
+          </a:prstGeom>
+        </p:spPr>
+        <p:txBody>
+          <a:bodyPr wrap="square">
+            <a:spAutoFit/>
+          </a:bodyPr>
+          <a:lstStyle/>
+          <a:p>
+            <a:r>
+              <a:rPr lang="en-US" dirty="0" err="1" smtClean="0"/>
+              <a:t>RStudio</a:t>
+            </a:r>
+            <a:r>
+              <a:rPr lang="en-US" dirty="0" smtClean="0"/>
+              <a:t> </a:t>
+            </a:r>
+            <a:r>
+              <a:rPr lang="en-US" dirty="0" err="1" smtClean="0"/>
+              <a:t>RMarkdown</a:t>
+            </a:r>
+            <a:r>
+              <a:rPr lang="en-US" dirty="0" smtClean="0"/>
+              <a:t> Introduction</a:t>
+            </a:r>
+            <a:endParaRPr lang="en-US" dirty="0" smtClean="0">
+              <a:hlinkClick r:id="rId3"/>
+            </a:endParaRPr>
+          </a:p>
+          <a:p>
+            <a:r>
+              <a:rPr lang="en-US" dirty="0" smtClean="0">
+                <a:hlinkClick r:id="rId3"/>
+              </a:rPr>
+              <a:t>https</a:t>
+            </a:r>
+            <a:r>
+              <a:rPr lang="en-US" dirty="0">
+                <a:hlinkClick r:id="rId3"/>
+              </a:rPr>
+              <a:t>://rmarkdown.rstudio.com/lesson-1.html</a:t>
+            </a:r>
+            <a:endParaRPr lang="en-US" dirty="0" smtClean="0">
+              <a:hlinkClick r:id="rId4"/>
+            </a:endParaRPr>
+          </a:p>
+          <a:p>
+            <a:endParaRPr lang="en-US" dirty="0" smtClean="0">
+              <a:hlinkClick r:id="rId4"/>
+            </a:endParaRPr>
+          </a:p>
+          <a:p>
+            <a:endParaRPr lang="en-US" dirty="0"/>
+          </a:p>
+          <a:p>
+            <a:r>
+              <a:rPr lang="en-US" dirty="0" err="1" smtClean="0"/>
+              <a:t>RStudio</a:t>
+            </a:r>
+            <a:r>
+              <a:rPr lang="en-US" dirty="0" smtClean="0"/>
+              <a:t> Cheat Sheets</a:t>
+            </a:r>
+          </a:p>
+          <a:p>
+            <a:endParaRPr lang="en-US" dirty="0"/>
+          </a:p>
+          <a:p>
+            <a:endParaRPr lang="en-US" dirty="0" smtClean="0"/>
+          </a:p>
+          <a:p>
+            <a:endParaRPr lang="en-US" dirty="0" smtClean="0"/>
+          </a:p>
+          <a:p>
+            <a:r>
+              <a:rPr lang="en-US" dirty="0" smtClean="0"/>
+              <a:t>Data Carpentry</a:t>
+            </a:r>
+            <a:endParaRPr lang="en-US" dirty="0"/>
+          </a:p>
+          <a:p>
+            <a:r>
+              <a:rPr lang="en-US" dirty="0" smtClean="0">
+                <a:hlinkClick r:id="rId5"/>
+              </a:rPr>
+              <a:t>https</a:t>
+            </a:r>
+            <a:r>
+              <a:rPr lang="en-US" dirty="0">
+                <a:hlinkClick r:id="rId5"/>
+              </a:rPr>
+              <a:t>://swcarpentry.github.io/r-novice-gapminder/15-knitr-markdown/</a:t>
+            </a:r>
+            <a:endParaRPr lang="en-US" dirty="0"/>
+          </a:p>
+        </p:txBody>
+      </p:sp>
+      <p:sp>
+        <p:nvSpPr>
+          <p:cNvPr id="7" name="Rectangle 6"/>
+          <p:cNvSpPr/>
+          <p:nvPr/>
+        </p:nvSpPr>
+        <p:spPr>
+          <a:xfrm>
+            <a:off x="609600" y="2955161"/>
+            <a:ext cx="8915400" cy="369332"/>
+          </a:xfrm>
+          <a:prstGeom prst="rect">
+            <a:avLst/>
+          </a:prstGeom>
+        </p:spPr>
+        <p:txBody>
+          <a:bodyPr wrap="square">
+            <a:spAutoFit/>
+          </a:bodyPr>
+          <a:lstStyle/>
+          <a:p>
+            <a:r>
+              <a:rPr lang="en-US" dirty="0">
+                <a:hlinkClick r:id="rId4"/>
+              </a:rPr>
+              <a:t>https://www.rstudio.com/wp-content/uploads/2015/02/rmarkdown-cheatsheet.pdf</a:t>
+            </a:r>
+            <a:endParaRPr lang="en-US" dirty="0"/>
+          </a:p>
+        </p:txBody>
+      </p:sp>
+    </p:spTree>
+    <p:extLst>
+      <p:ext uri="{BB962C8B-B14F-4D97-AF65-F5344CB8AC3E}">
+        <p14:creationId xmlns:p14="http://schemas.microsoft.com/office/powerpoint/2010/main" val="389223753"/>
+      </p:ext>
+    </p:extLst>
+  </p:cSld>
+  <p:clrMapOvr>
+    <a:masterClrMapping/>
+  </p:clrMapOvr>
+  <p:timing>
+    <p:tnLst>
+      <p:par>
+        <p:cTn id="1" dur="indefinite" restart="never" nodeType="tmRoot"/>
+      </p:par>
+    </p:tnLst>
+  </p:timing>
+</p:sld>
+</file>
+
+<file path=ppt/slides/slide25.xml><?xml version="1.0" encoding="utf-8"?>
+<p:sld xmlns:a="http://schemas.openxmlformats.org/drawingml/2006/main" xmlns:r="http://schemas.openxmlformats.org/officeDocument/2006/relationships" xmlns:p="http://schemas.openxmlformats.org/presentationml/2006/main">
+  <p:cSld>
+    <p:spTree>
+      <p:nvGrpSpPr>
+        <p:cNvPr id="1" name=""/>
+        <p:cNvGrpSpPr/>
+        <p:nvPr/>
+      </p:nvGrpSpPr>
+      <p:grpSpPr>
+        <a:xfrm>
+          <a:off x="0" y="0"/>
+          <a:ext cx="0" cy="0"/>
+          <a:chOff x="0" y="0"/>
+          <a:chExt cx="0" cy="0"/>
+        </a:xfrm>
+      </p:grpSpPr>
+      <p:sp>
+        <p:nvSpPr>
+          <p:cNvPr id="2" name="Title 1"/>
+          <p:cNvSpPr txBox="1">
+            <a:spLocks/>
+          </p:cNvSpPr>
+          <p:nvPr/>
+        </p:nvSpPr>
+        <p:spPr>
+          <a:xfrm>
             <a:off x="457200" y="2286000"/>
             <a:ext cx="8229600" cy="1143000"/>
           </a:xfrm>
@@ -13858,324 +12605,6 @@
 </p:sld>
 </file>
 
-<file path=ppt/slides/slide25.xml><?xml version="1.0" encoding="utf-8"?>
-<p:sld xmlns:a="http://schemas.openxmlformats.org/drawingml/2006/main" xmlns:r="http://schemas.openxmlformats.org/officeDocument/2006/relationships" xmlns:p="http://schemas.openxmlformats.org/presentationml/2006/main">
-  <p:cSld>
-    <p:spTree>
-      <p:nvGrpSpPr>
-        <p:cNvPr id="1" name=""/>
-        <p:cNvGrpSpPr/>
-        <p:nvPr/>
-      </p:nvGrpSpPr>
-      <p:grpSpPr>
-        <a:xfrm>
-          <a:off x="0" y="0"/>
-          <a:ext cx="0" cy="0"/>
-          <a:chOff x="0" y="0"/>
-          <a:chExt cx="0" cy="0"/>
-        </a:xfrm>
-      </p:grpSpPr>
-      <p:sp>
-        <p:nvSpPr>
-          <p:cNvPr id="2" name="Title 1"/>
-          <p:cNvSpPr txBox="1">
-            <a:spLocks/>
-          </p:cNvSpPr>
-          <p:nvPr/>
-        </p:nvSpPr>
-        <p:spPr>
-          <a:xfrm>
-            <a:off x="457200" y="274638"/>
-            <a:ext cx="8229600" cy="1143000"/>
-          </a:xfrm>
-          <a:prstGeom prst="rect">
-            <a:avLst/>
-          </a:prstGeom>
-        </p:spPr>
-        <p:txBody>
-          <a:bodyPr/>
-          <a:lstStyle>
-            <a:lvl1pPr algn="ctr" defTabSz="914400" rtl="0" eaLnBrk="1" latinLnBrk="0" hangingPunct="1">
-              <a:spcBef>
-                <a:spcPct val="0"/>
-              </a:spcBef>
-              <a:buNone/>
-              <a:defRPr sz="4400" kern="1200">
-                <a:solidFill>
-                  <a:schemeClr val="tx1"/>
-                </a:solidFill>
-                <a:latin typeface="+mj-lt"/>
-                <a:ea typeface="+mj-ea"/>
-                <a:cs typeface="+mj-cs"/>
-              </a:defRPr>
-            </a:lvl1pPr>
-          </a:lstStyle>
-          <a:p>
-            <a:r>
-              <a:rPr lang="en-US" dirty="0" smtClean="0"/>
-              <a:t>Resources</a:t>
-            </a:r>
-            <a:endParaRPr lang="en-US" dirty="0"/>
-          </a:p>
-        </p:txBody>
-      </p:sp>
-      <p:grpSp>
-        <p:nvGrpSpPr>
-          <p:cNvPr id="3" name="Group 2"/>
-          <p:cNvGrpSpPr/>
-          <p:nvPr/>
-        </p:nvGrpSpPr>
-        <p:grpSpPr>
-          <a:xfrm>
-            <a:off x="152400" y="152400"/>
-            <a:ext cx="8839200" cy="6527091"/>
-            <a:chOff x="152400" y="152400"/>
-            <a:chExt cx="8839200" cy="6527091"/>
-          </a:xfrm>
-        </p:grpSpPr>
-        <p:pic>
-          <p:nvPicPr>
-            <p:cNvPr id="4" name="Picture 2" descr="C:\HardDriveBackup\NMC\NWQMC_2019\Talk\DEQsquares.bmp"/>
-            <p:cNvPicPr>
-              <a:picLocks noChangeAspect="1" noChangeArrowheads="1"/>
-            </p:cNvPicPr>
-            <p:nvPr/>
-          </p:nvPicPr>
-          <p:blipFill>
-            <a:blip r:embed="rId2" cstate="print">
-              <a:extLst>
-                <a:ext uri="{28A0092B-C50C-407E-A947-70E740481C1C}">
-                  <a14:useLocalDpi xmlns:a14="http://schemas.microsoft.com/office/drawing/2010/main" val="0"/>
-                </a:ext>
-              </a:extLst>
-            </a:blip>
-            <a:srcRect/>
-            <a:stretch>
-              <a:fillRect/>
-            </a:stretch>
-          </p:blipFill>
-          <p:spPr bwMode="auto">
-            <a:xfrm>
-              <a:off x="7772400" y="152400"/>
-              <a:ext cx="1219200" cy="253291"/>
-            </a:xfrm>
-            <a:prstGeom prst="rect">
-              <a:avLst/>
-            </a:prstGeom>
-            <a:noFill/>
-            <a:extLst>
-              <a:ext uri="{909E8E84-426E-40DD-AFC4-6F175D3DCCD1}">
-                <a14:hiddenFill xmlns:a14="http://schemas.microsoft.com/office/drawing/2010/main">
-                  <a:solidFill>
-                    <a:srgbClr val="FFFFFF"/>
-                  </a:solidFill>
-                </a14:hiddenFill>
-              </a:ext>
-            </a:extLst>
-          </p:spPr>
-        </p:pic>
-        <p:pic>
-          <p:nvPicPr>
-            <p:cNvPr id="5" name="Picture 2" descr="C:\HardDriveBackup\NMC\NWQMC_2019\Talk\DEQsquares.bmp"/>
-            <p:cNvPicPr>
-              <a:picLocks noChangeAspect="1" noChangeArrowheads="1"/>
-            </p:cNvPicPr>
-            <p:nvPr/>
-          </p:nvPicPr>
-          <p:blipFill>
-            <a:blip r:embed="rId2" cstate="print">
-              <a:extLst>
-                <a:ext uri="{28A0092B-C50C-407E-A947-70E740481C1C}">
-                  <a14:useLocalDpi xmlns:a14="http://schemas.microsoft.com/office/drawing/2010/main" val="0"/>
-                </a:ext>
-              </a:extLst>
-            </a:blip>
-            <a:srcRect/>
-            <a:stretch>
-              <a:fillRect/>
-            </a:stretch>
-          </p:blipFill>
-          <p:spPr bwMode="auto">
-            <a:xfrm>
-              <a:off x="152400" y="6426200"/>
-              <a:ext cx="1219200" cy="253291"/>
-            </a:xfrm>
-            <a:prstGeom prst="rect">
-              <a:avLst/>
-            </a:prstGeom>
-            <a:noFill/>
-            <a:extLst>
-              <a:ext uri="{909E8E84-426E-40DD-AFC4-6F175D3DCCD1}">
-                <a14:hiddenFill xmlns:a14="http://schemas.microsoft.com/office/drawing/2010/main">
-                  <a:solidFill>
-                    <a:srgbClr val="FFFFFF"/>
-                  </a:solidFill>
-                </a14:hiddenFill>
-              </a:ext>
-            </a:extLst>
-          </p:spPr>
-        </p:pic>
-      </p:grpSp>
-      <p:sp>
-        <p:nvSpPr>
-          <p:cNvPr id="6" name="Rectangle 5"/>
-          <p:cNvSpPr/>
-          <p:nvPr/>
-        </p:nvSpPr>
-        <p:spPr>
-          <a:xfrm>
-            <a:off x="609600" y="1524000"/>
-            <a:ext cx="8077200" cy="2862322"/>
-          </a:xfrm>
-          <a:prstGeom prst="rect">
-            <a:avLst/>
-          </a:prstGeom>
-        </p:spPr>
-        <p:txBody>
-          <a:bodyPr wrap="square">
-            <a:spAutoFit/>
-          </a:bodyPr>
-          <a:lstStyle/>
-          <a:p>
-            <a:r>
-              <a:rPr lang="en-US" dirty="0" err="1" smtClean="0"/>
-              <a:t>RStudio</a:t>
-            </a:r>
-            <a:r>
-              <a:rPr lang="en-US" dirty="0" smtClean="0"/>
-              <a:t> </a:t>
-            </a:r>
-            <a:r>
-              <a:rPr lang="en-US" dirty="0" err="1" smtClean="0"/>
-              <a:t>RMarkdown</a:t>
-            </a:r>
-            <a:r>
-              <a:rPr lang="en-US" dirty="0" smtClean="0"/>
-              <a:t> Introduction</a:t>
-            </a:r>
-            <a:endParaRPr lang="en-US" dirty="0" smtClean="0">
-              <a:hlinkClick r:id="rId3"/>
-            </a:endParaRPr>
-          </a:p>
-          <a:p>
-            <a:r>
-              <a:rPr lang="en-US" dirty="0" smtClean="0">
-                <a:hlinkClick r:id="rId3"/>
-              </a:rPr>
-              <a:t>https</a:t>
-            </a:r>
-            <a:r>
-              <a:rPr lang="en-US" dirty="0">
-                <a:hlinkClick r:id="rId3"/>
-              </a:rPr>
-              <a:t>://rmarkdown.rstudio.com/lesson-1.html</a:t>
-            </a:r>
-            <a:endParaRPr lang="en-US" dirty="0" smtClean="0">
-              <a:hlinkClick r:id="rId4"/>
-            </a:endParaRPr>
-          </a:p>
-          <a:p>
-            <a:endParaRPr lang="en-US" dirty="0" smtClean="0">
-              <a:hlinkClick r:id="rId4"/>
-            </a:endParaRPr>
-          </a:p>
-          <a:p>
-            <a:endParaRPr lang="en-US" dirty="0"/>
-          </a:p>
-          <a:p>
-            <a:r>
-              <a:rPr lang="en-US" dirty="0" err="1" smtClean="0"/>
-              <a:t>RStudio</a:t>
-            </a:r>
-            <a:r>
-              <a:rPr lang="en-US" dirty="0" smtClean="0"/>
-              <a:t> Cheat Sheets</a:t>
-            </a:r>
-          </a:p>
-          <a:p>
-            <a:endParaRPr lang="en-US" dirty="0"/>
-          </a:p>
-          <a:p>
-            <a:endParaRPr lang="en-US" dirty="0" smtClean="0"/>
-          </a:p>
-          <a:p>
-            <a:endParaRPr lang="en-US" dirty="0" smtClean="0"/>
-          </a:p>
-          <a:p>
-            <a:r>
-              <a:rPr lang="en-US" dirty="0" smtClean="0"/>
-              <a:t>Data Carpentry</a:t>
-            </a:r>
-            <a:endParaRPr lang="en-US" dirty="0"/>
-          </a:p>
-          <a:p>
-            <a:r>
-              <a:rPr lang="en-US" dirty="0" smtClean="0">
-                <a:hlinkClick r:id="rId5"/>
-              </a:rPr>
-              <a:t>https</a:t>
-            </a:r>
-            <a:r>
-              <a:rPr lang="en-US" dirty="0">
-                <a:hlinkClick r:id="rId5"/>
-              </a:rPr>
-              <a:t>://swcarpentry.github.io/r-novice-gapminder/15-knitr-markdown/</a:t>
-            </a:r>
-            <a:endParaRPr lang="en-US" dirty="0"/>
-          </a:p>
-        </p:txBody>
-      </p:sp>
-      <p:sp>
-        <p:nvSpPr>
-          <p:cNvPr id="7" name="Rectangle 6"/>
-          <p:cNvSpPr/>
-          <p:nvPr/>
-        </p:nvSpPr>
-        <p:spPr>
-          <a:xfrm>
-            <a:off x="609600" y="2955161"/>
-            <a:ext cx="8915400" cy="369332"/>
-          </a:xfrm>
-          <a:prstGeom prst="rect">
-            <a:avLst/>
-          </a:prstGeom>
-        </p:spPr>
-        <p:txBody>
-          <a:bodyPr wrap="square">
-            <a:spAutoFit/>
-          </a:bodyPr>
-          <a:lstStyle/>
-          <a:p>
-            <a:r>
-              <a:rPr lang="en-US" dirty="0">
-                <a:hlinkClick r:id="rId4"/>
-              </a:rPr>
-              <a:t>https://www.rstudio.com/wp-content/uploads/2015/02/rmarkdown-cheatsheet.pdf</a:t>
-            </a:r>
-            <a:endParaRPr lang="en-US" dirty="0"/>
-          </a:p>
-        </p:txBody>
-      </p:sp>
-    </p:spTree>
-    <p:extLst>
-      <p:ext uri="{BB962C8B-B14F-4D97-AF65-F5344CB8AC3E}">
-        <p14:creationId xmlns:p14="http://schemas.microsoft.com/office/powerpoint/2010/main" val="389223753"/>
-      </p:ext>
-    </p:extLst>
-  </p:cSld>
-  <p:clrMapOvr>
-    <a:masterClrMapping/>
-  </p:clrMapOvr>
-  <p:timing>
-    <p:tnLst>
-      <p:par>
-        <p:cTn id="1" dur="indefinite" restart="never" nodeType="tmRoot"/>
-      </p:par>
-    </p:tnLst>
-  </p:timing>
-</p:sld>
-</file>
-
 <file path=ppt/slides/slide26.xml><?xml version="1.0" encoding="utf-8"?>
 <p:sld xmlns:a="http://schemas.openxmlformats.org/drawingml/2006/main" xmlns:r="http://schemas.openxmlformats.org/officeDocument/2006/relationships" xmlns:p="http://schemas.openxmlformats.org/presentationml/2006/main">
   <p:cSld>
@@ -14281,13 +12710,8 @@
           <a:p>
             <a:r>
               <a:rPr lang="en-US" sz="2800" dirty="0" smtClean="0"/>
-              <a:t>Emma Jones      </a:t>
-            </a:r>
-            <a:r>
-              <a:rPr lang="en-US" sz="2800" dirty="0" smtClean="0"/>
-              <a:t>emma.jones@deq.virginia.gov</a:t>
-            </a:r>
-            <a:endParaRPr lang="en-US" sz="2800" dirty="0" smtClean="0"/>
+              <a:t>Emma Jones      emma.jones@deq.virginia.gov</a:t>
+            </a:r>
           </a:p>
         </p:txBody>
       </p:sp>
@@ -14329,7 +12753,6 @@
               <a:rPr lang="en-US" sz="2400" dirty="0"/>
               <a:t>://github.com/EmmaVJones/NCTC_Processing-Benthic-Macroinvertebrate-Data-in-R</a:t>
             </a:r>
-            <a:endParaRPr lang="en-US" sz="2400" dirty="0"/>
           </a:p>
         </p:txBody>
       </p:sp>
